--- a/presentation/Project3PowerPoint.pptx
+++ b/presentation/Project3PowerPoint.pptx
@@ -14,11 +14,15 @@
     <p:sldId id="262" r:id="rId8"/>
     <p:sldId id="263" r:id="rId9"/>
     <p:sldId id="264" r:id="rId10"/>
-    <p:sldId id="265" r:id="rId11"/>
-    <p:sldId id="267" r:id="rId12"/>
-    <p:sldId id="268" r:id="rId13"/>
-    <p:sldId id="266" r:id="rId14"/>
-    <p:sldId id="269" r:id="rId15"/>
+    <p:sldId id="270" r:id="rId11"/>
+    <p:sldId id="271" r:id="rId12"/>
+    <p:sldId id="272" r:id="rId13"/>
+    <p:sldId id="273" r:id="rId14"/>
+    <p:sldId id="274" r:id="rId15"/>
+    <p:sldId id="267" r:id="rId16"/>
+    <p:sldId id="268" r:id="rId17"/>
+    <p:sldId id="266" r:id="rId18"/>
+    <p:sldId id="269" r:id="rId19"/>
   </p:sldIdLst>
   <p:sldSz cx="12192000" cy="6858000"/>
   <p:notesSz cx="6858000" cy="9144000"/>
@@ -6285,7 +6289,7 @@
         <p:spPr>
           <a:xfrm>
             <a:off x="841248" y="663960"/>
-            <a:ext cx="9456049" cy="1027113"/>
+            <a:ext cx="10370091" cy="1027113"/>
           </a:xfrm>
         </p:spPr>
         <p:txBody>
@@ -6297,7 +6301,7 @@
             <a:pPr algn="l"/>
             <a:r>
               <a:rPr lang="en-US" sz="3000" dirty="0"/>
-              <a:t>Analysis : Linear Regression</a:t>
+              <a:t>Analysis : Histograms of Wind Direction Differences (2D-3D)</a:t>
             </a:r>
           </a:p>
         </p:txBody>
@@ -6510,10 +6514,10 @@
       </p:sp>
       <p:pic>
         <p:nvPicPr>
-          <p:cNvPr id="6" name="Picture 5">
+          <p:cNvPr id="14" name="Picture 13">
             <a:extLst>
               <a:ext uri="{FF2B5EF4-FFF2-40B4-BE49-F238E27FC236}">
-                <a16:creationId xmlns:a16="http://schemas.microsoft.com/office/drawing/2014/main" id="{C5199DFE-81B7-FFCA-CD72-2110505BFAC8}"/>
+                <a16:creationId xmlns:a16="http://schemas.microsoft.com/office/drawing/2014/main" id="{54901106-80E4-2599-2084-DB799E3268CA}"/>
               </a:ext>
             </a:extLst>
           </p:cNvPr>
@@ -6529,8 +6533,8 @@
         </p:blipFill>
         <p:spPr>
           <a:xfrm>
-            <a:off x="280692" y="1496584"/>
-            <a:ext cx="4065965" cy="3207937"/>
+            <a:off x="531941" y="2154900"/>
+            <a:ext cx="5223312" cy="3864830"/>
           </a:xfrm>
           <a:prstGeom prst="rect">
             <a:avLst/>
@@ -6539,10 +6543,10 @@
       </p:pic>
       <p:pic>
         <p:nvPicPr>
-          <p:cNvPr id="5" name="Picture 4">
+          <p:cNvPr id="15" name="Picture 14">
             <a:extLst>
               <a:ext uri="{FF2B5EF4-FFF2-40B4-BE49-F238E27FC236}">
-                <a16:creationId xmlns:a16="http://schemas.microsoft.com/office/drawing/2014/main" id="{4157CED6-A916-2EFD-E22B-D9C7BFED77C7}"/>
+                <a16:creationId xmlns:a16="http://schemas.microsoft.com/office/drawing/2014/main" id="{E2A53D9B-FBE0-88A8-6FB6-8034F46D6A3A}"/>
               </a:ext>
             </a:extLst>
           </p:cNvPr>
@@ -6558,47 +6562,102 @@
         </p:blipFill>
         <p:spPr>
           <a:xfrm>
-            <a:off x="3887108" y="3429000"/>
-            <a:ext cx="4303004" cy="3337532"/>
+            <a:off x="6302136" y="2154900"/>
+            <a:ext cx="5368712" cy="3897685"/>
           </a:xfrm>
           <a:prstGeom prst="rect">
             <a:avLst/>
           </a:prstGeom>
         </p:spPr>
       </p:pic>
-      <p:pic>
-        <p:nvPicPr>
-          <p:cNvPr id="2" name="Picture 1">
+      <p:sp>
+        <p:nvSpPr>
+          <p:cNvPr id="17" name="TextBox 16">
             <a:extLst>
               <a:ext uri="{FF2B5EF4-FFF2-40B4-BE49-F238E27FC236}">
-                <a16:creationId xmlns:a16="http://schemas.microsoft.com/office/drawing/2014/main" id="{8954E805-7C30-428A-7699-8F3EB5CF050F}"/>
+                <a16:creationId xmlns:a16="http://schemas.microsoft.com/office/drawing/2014/main" id="{0D8D0D9F-121F-D474-145B-42086A83B9DF}"/>
               </a:ext>
             </a:extLst>
           </p:cNvPr>
-          <p:cNvPicPr>
-            <a:picLocks noChangeAspect="1"/>
-          </p:cNvPicPr>
+          <p:cNvSpPr txBox="1"/>
           <p:nvPr/>
-        </p:nvPicPr>
-        <p:blipFill>
-          <a:blip r:embed="rId5"/>
-          <a:srcRect/>
-          <a:stretch/>
-        </p:blipFill>
+        </p:nvSpPr>
         <p:spPr>
           <a:xfrm>
-            <a:off x="7845345" y="832625"/>
-            <a:ext cx="4129642" cy="3112640"/>
+            <a:off x="1984031" y="1594910"/>
+            <a:ext cx="2319131" cy="461665"/>
           </a:xfrm>
           <a:prstGeom prst="rect">
             <a:avLst/>
           </a:prstGeom>
+          <a:noFill/>
         </p:spPr>
-      </p:pic>
+        <p:txBody>
+          <a:bodyPr wrap="square">
+            <a:spAutoFit/>
+          </a:bodyPr>
+          <a:lstStyle/>
+          <a:p>
+            <a:pPr algn="ctr"/>
+            <a:r>
+              <a:rPr lang="en-US" sz="2400" b="0" i="0" dirty="0">
+                <a:solidFill>
+                  <a:srgbClr val="1F2328"/>
+                </a:solidFill>
+                <a:effectLst/>
+                <a:latin typeface="-apple-system"/>
+              </a:rPr>
+              <a:t>All wind speeds</a:t>
+            </a:r>
+          </a:p>
+        </p:txBody>
+      </p:sp>
+      <p:sp>
+        <p:nvSpPr>
+          <p:cNvPr id="18" name="TextBox 17">
+            <a:extLst>
+              <a:ext uri="{FF2B5EF4-FFF2-40B4-BE49-F238E27FC236}">
+                <a16:creationId xmlns:a16="http://schemas.microsoft.com/office/drawing/2014/main" id="{2EF3FD0D-BEB4-290F-2CA0-899534A0D412}"/>
+              </a:ext>
+            </a:extLst>
+          </p:cNvPr>
+          <p:cNvSpPr txBox="1"/>
+          <p:nvPr/>
+        </p:nvSpPr>
+        <p:spPr>
+          <a:xfrm>
+            <a:off x="6262480" y="1561387"/>
+            <a:ext cx="5448024" cy="461665"/>
+          </a:xfrm>
+          <a:prstGeom prst="rect">
+            <a:avLst/>
+          </a:prstGeom>
+          <a:noFill/>
+        </p:spPr>
+        <p:txBody>
+          <a:bodyPr wrap="square">
+            <a:spAutoFit/>
+          </a:bodyPr>
+          <a:lstStyle/>
+          <a:p>
+            <a:pPr algn="ctr"/>
+            <a:r>
+              <a:rPr lang="en-US" sz="2400" b="0" i="0" dirty="0">
+                <a:solidFill>
+                  <a:srgbClr val="1F2328"/>
+                </a:solidFill>
+                <a:effectLst/>
+                <a:latin typeface="-apple-system"/>
+              </a:rPr>
+              <a:t>Wind speed &gt; 1m/s (2.2 mph)</a:t>
+            </a:r>
+          </a:p>
+        </p:txBody>
+      </p:sp>
     </p:spTree>
     <p:extLst>
       <p:ext uri="{BB962C8B-B14F-4D97-AF65-F5344CB8AC3E}">
-        <p14:creationId xmlns:p14="http://schemas.microsoft.com/office/powerpoint/2010/main" val="1540562867"/>
+        <p14:creationId xmlns:p14="http://schemas.microsoft.com/office/powerpoint/2010/main" val="58473472"/>
       </p:ext>
     </p:extLst>
   </p:cSld>
@@ -6675,7 +6734,7 @@
         <p:spPr>
           <a:xfrm>
             <a:off x="841248" y="663960"/>
-            <a:ext cx="9456049" cy="1027113"/>
+            <a:ext cx="10370091" cy="1027113"/>
           </a:xfrm>
         </p:spPr>
         <p:txBody>
@@ -6687,7 +6746,7 @@
             <a:pPr algn="l"/>
             <a:r>
               <a:rPr lang="en-US" sz="3000" dirty="0"/>
-              <a:t>Analysis : Conclusions</a:t>
+              <a:t>Analysis : Histograms of Temperature Differences (2D-3D)</a:t>
             </a:r>
           </a:p>
         </p:txBody>
@@ -6898,259 +6957,144 @@
           </a:p>
         </p:txBody>
       </p:sp>
-      <p:sp>
-        <p:nvSpPr>
-          <p:cNvPr id="2" name="Subtitle 2">
+      <p:pic>
+        <p:nvPicPr>
+          <p:cNvPr id="14" name="Picture 13">
             <a:extLst>
               <a:ext uri="{FF2B5EF4-FFF2-40B4-BE49-F238E27FC236}">
-                <a16:creationId xmlns:a16="http://schemas.microsoft.com/office/drawing/2014/main" id="{64DCB5E7-30E4-5A5B-9165-289187946AB9}"/>
+                <a16:creationId xmlns:a16="http://schemas.microsoft.com/office/drawing/2014/main" id="{54901106-80E4-2599-2084-DB799E3268CA}"/>
               </a:ext>
             </a:extLst>
           </p:cNvPr>
-          <p:cNvSpPr txBox="1">
-            <a:spLocks/>
-          </p:cNvSpPr>
+          <p:cNvPicPr>
+            <a:picLocks noChangeAspect="1"/>
+          </p:cNvPicPr>
           <p:nvPr/>
-        </p:nvSpPr>
+        </p:nvPicPr>
+        <p:blipFill>
+          <a:blip r:embed="rId3"/>
+          <a:srcRect/>
+          <a:stretch/>
+        </p:blipFill>
         <p:spPr>
           <a:xfrm>
-            <a:off x="993648" y="1648985"/>
-            <a:ext cx="9456049" cy="4697455"/>
+            <a:off x="503162" y="2163645"/>
+            <a:ext cx="5280870" cy="3847340"/>
           </a:xfrm>
           <a:prstGeom prst="rect">
             <a:avLst/>
           </a:prstGeom>
         </p:spPr>
-        <p:txBody>
-          <a:bodyPr vert="horz" lIns="91440" tIns="45720" rIns="91440" bIns="45720" rtlCol="0" anchor="t">
-            <a:normAutofit/>
+      </p:pic>
+      <p:pic>
+        <p:nvPicPr>
+          <p:cNvPr id="15" name="Picture 14">
+            <a:extLst>
+              <a:ext uri="{FF2B5EF4-FFF2-40B4-BE49-F238E27FC236}">
+                <a16:creationId xmlns:a16="http://schemas.microsoft.com/office/drawing/2014/main" id="{E2A53D9B-FBE0-88A8-6FB6-8034F46D6A3A}"/>
+              </a:ext>
+            </a:extLst>
+          </p:cNvPr>
+          <p:cNvPicPr>
+            <a:picLocks noChangeAspect="1"/>
+          </p:cNvPicPr>
+          <p:nvPr/>
+        </p:nvPicPr>
+        <p:blipFill>
+          <a:blip r:embed="rId4"/>
+          <a:srcRect/>
+          <a:stretch/>
+        </p:blipFill>
+        <p:spPr>
+          <a:xfrm>
+            <a:off x="6354495" y="2154900"/>
+            <a:ext cx="5263993" cy="3897685"/>
+          </a:xfrm>
+          <a:prstGeom prst="rect">
+            <a:avLst/>
+          </a:prstGeom>
+        </p:spPr>
+      </p:pic>
+      <p:sp>
+        <p:nvSpPr>
+          <p:cNvPr id="17" name="TextBox 16">
+            <a:extLst>
+              <a:ext uri="{FF2B5EF4-FFF2-40B4-BE49-F238E27FC236}">
+                <a16:creationId xmlns:a16="http://schemas.microsoft.com/office/drawing/2014/main" id="{0D8D0D9F-121F-D474-145B-42086A83B9DF}"/>
+              </a:ext>
+            </a:extLst>
+          </p:cNvPr>
+          <p:cNvSpPr txBox="1"/>
+          <p:nvPr/>
+        </p:nvSpPr>
+        <p:spPr>
+          <a:xfrm>
+            <a:off x="1984031" y="1594910"/>
+            <a:ext cx="2319131" cy="461665"/>
+          </a:xfrm>
+          <a:prstGeom prst="rect">
+            <a:avLst/>
+          </a:prstGeom>
+          <a:noFill/>
+        </p:spPr>
+        <p:txBody>
+          <a:bodyPr wrap="square">
+            <a:spAutoFit/>
           </a:bodyPr>
-          <a:lstStyle>
-            <a:lvl1pPr marL="0" indent="0" algn="l" defTabSz="914400" rtl="0" eaLnBrk="1" latinLnBrk="0" hangingPunct="1">
-              <a:lnSpc>
-                <a:spcPct val="130000"/>
-              </a:lnSpc>
-              <a:spcBef>
-                <a:spcPts val="1000"/>
-              </a:spcBef>
-              <a:buFont typeface="Arial" panose="020B0604020202020204" pitchFamily="34" charset="0"/>
-              <a:buNone/>
-              <a:defRPr sz="2000" kern="1200">
-                <a:solidFill>
-                  <a:schemeClr val="tx1"/>
-                </a:solidFill>
-                <a:latin typeface="+mn-lt"/>
-                <a:ea typeface="+mn-ea"/>
-                <a:cs typeface="+mn-cs"/>
-              </a:defRPr>
-            </a:lvl1pPr>
-            <a:lvl2pPr marL="457200" indent="0" algn="ctr" defTabSz="914400" rtl="0" eaLnBrk="1" latinLnBrk="0" hangingPunct="1">
-              <a:lnSpc>
-                <a:spcPct val="130000"/>
-              </a:lnSpc>
-              <a:spcBef>
-                <a:spcPts val="500"/>
-              </a:spcBef>
-              <a:buFont typeface="Arial" panose="020B0604020202020204" pitchFamily="34" charset="0"/>
-              <a:buNone/>
-              <a:defRPr sz="2000" kern="1200">
-                <a:solidFill>
-                  <a:schemeClr val="tx1"/>
-                </a:solidFill>
-                <a:latin typeface="+mn-lt"/>
-                <a:ea typeface="+mn-ea"/>
-                <a:cs typeface="+mn-cs"/>
-              </a:defRPr>
-            </a:lvl2pPr>
-            <a:lvl3pPr marL="914400" indent="0" algn="ctr" defTabSz="914400" rtl="0" eaLnBrk="1" latinLnBrk="0" hangingPunct="1">
-              <a:lnSpc>
-                <a:spcPct val="130000"/>
-              </a:lnSpc>
-              <a:spcBef>
-                <a:spcPts val="500"/>
-              </a:spcBef>
-              <a:buFont typeface="Arial" panose="020B0604020202020204" pitchFamily="34" charset="0"/>
-              <a:buNone/>
-              <a:defRPr sz="1800" kern="1200">
-                <a:solidFill>
-                  <a:schemeClr val="tx1"/>
-                </a:solidFill>
-                <a:latin typeface="+mn-lt"/>
-                <a:ea typeface="+mn-ea"/>
-                <a:cs typeface="+mn-cs"/>
-              </a:defRPr>
-            </a:lvl3pPr>
-            <a:lvl4pPr marL="1371600" indent="0" algn="ctr" defTabSz="914400" rtl="0" eaLnBrk="1" latinLnBrk="0" hangingPunct="1">
-              <a:lnSpc>
-                <a:spcPct val="130000"/>
-              </a:lnSpc>
-              <a:spcBef>
-                <a:spcPts val="500"/>
-              </a:spcBef>
-              <a:buFont typeface="Arial" panose="020B0604020202020204" pitchFamily="34" charset="0"/>
-              <a:buNone/>
-              <a:defRPr sz="1600" kern="1200">
-                <a:solidFill>
-                  <a:schemeClr val="tx1"/>
-                </a:solidFill>
-                <a:latin typeface="+mn-lt"/>
-                <a:ea typeface="+mn-ea"/>
-                <a:cs typeface="+mn-cs"/>
-              </a:defRPr>
-            </a:lvl4pPr>
-            <a:lvl5pPr marL="1828800" indent="0" algn="ctr" defTabSz="914400" rtl="0" eaLnBrk="1" latinLnBrk="0" hangingPunct="1">
-              <a:lnSpc>
-                <a:spcPct val="130000"/>
-              </a:lnSpc>
-              <a:spcBef>
-                <a:spcPts val="500"/>
-              </a:spcBef>
-              <a:buFont typeface="Arial" panose="020B0604020202020204" pitchFamily="34" charset="0"/>
-              <a:buNone/>
-              <a:defRPr sz="1600" kern="1200">
-                <a:solidFill>
-                  <a:schemeClr val="tx1"/>
-                </a:solidFill>
-                <a:latin typeface="+mn-lt"/>
-                <a:ea typeface="+mn-ea"/>
-                <a:cs typeface="+mn-cs"/>
-              </a:defRPr>
-            </a:lvl5pPr>
-            <a:lvl6pPr marL="2286000" indent="0" algn="ctr" defTabSz="914400" rtl="0" eaLnBrk="1" latinLnBrk="0" hangingPunct="1">
-              <a:lnSpc>
-                <a:spcPct val="90000"/>
-              </a:lnSpc>
-              <a:spcBef>
-                <a:spcPts val="500"/>
-              </a:spcBef>
-              <a:buFont typeface="Arial" panose="020B0604020202020204" pitchFamily="34" charset="0"/>
-              <a:buNone/>
-              <a:defRPr sz="1600" kern="1200">
-                <a:solidFill>
-                  <a:schemeClr val="tx1"/>
-                </a:solidFill>
-                <a:latin typeface="+mn-lt"/>
-                <a:ea typeface="+mn-ea"/>
-                <a:cs typeface="+mn-cs"/>
-              </a:defRPr>
-            </a:lvl6pPr>
-            <a:lvl7pPr marL="2743200" indent="0" algn="ctr" defTabSz="914400" rtl="0" eaLnBrk="1" latinLnBrk="0" hangingPunct="1">
-              <a:lnSpc>
-                <a:spcPct val="90000"/>
-              </a:lnSpc>
-              <a:spcBef>
-                <a:spcPts val="500"/>
-              </a:spcBef>
-              <a:buFont typeface="Arial" panose="020B0604020202020204" pitchFamily="34" charset="0"/>
-              <a:buNone/>
-              <a:defRPr sz="1600" kern="1200">
-                <a:solidFill>
-                  <a:schemeClr val="tx1"/>
-                </a:solidFill>
-                <a:latin typeface="+mn-lt"/>
-                <a:ea typeface="+mn-ea"/>
-                <a:cs typeface="+mn-cs"/>
-              </a:defRPr>
-            </a:lvl7pPr>
-            <a:lvl8pPr marL="3200400" indent="0" algn="ctr" defTabSz="914400" rtl="0" eaLnBrk="1" latinLnBrk="0" hangingPunct="1">
-              <a:lnSpc>
-                <a:spcPct val="90000"/>
-              </a:lnSpc>
-              <a:spcBef>
-                <a:spcPts val="500"/>
-              </a:spcBef>
-              <a:buFont typeface="Arial" panose="020B0604020202020204" pitchFamily="34" charset="0"/>
-              <a:buNone/>
-              <a:defRPr sz="1600" kern="1200">
-                <a:solidFill>
-                  <a:schemeClr val="tx1"/>
-                </a:solidFill>
-                <a:latin typeface="+mn-lt"/>
-                <a:ea typeface="+mn-ea"/>
-                <a:cs typeface="+mn-cs"/>
-              </a:defRPr>
-            </a:lvl8pPr>
-            <a:lvl9pPr marL="3657600" indent="0" algn="ctr" defTabSz="914400" rtl="0" eaLnBrk="1" latinLnBrk="0" hangingPunct="1">
-              <a:lnSpc>
-                <a:spcPct val="90000"/>
-              </a:lnSpc>
-              <a:spcBef>
-                <a:spcPts val="500"/>
-              </a:spcBef>
-              <a:buFont typeface="Arial" panose="020B0604020202020204" pitchFamily="34" charset="0"/>
-              <a:buNone/>
-              <a:defRPr sz="1600" kern="1200">
-                <a:solidFill>
-                  <a:schemeClr val="tx1"/>
-                </a:solidFill>
-                <a:latin typeface="+mn-lt"/>
-                <a:ea typeface="+mn-ea"/>
-                <a:cs typeface="+mn-cs"/>
-              </a:defRPr>
-            </a:lvl9pPr>
-          </a:lstStyle>
-          <a:p>
-            <a:pPr marL="342900" indent="-342900" algn="l">
-              <a:buFont typeface="Arial" panose="020B0604020202020204" pitchFamily="34" charset="0"/>
-              <a:buChar char="•"/>
-            </a:pPr>
-            <a:r>
-              <a:rPr lang="en-US" b="0" i="0" dirty="0">
+          <a:lstStyle/>
+          <a:p>
+            <a:pPr algn="ctr"/>
+            <a:r>
+              <a:rPr lang="en-US" sz="2400" b="0" i="0" dirty="0">
                 <a:solidFill>
                   <a:srgbClr val="1F2328"/>
                 </a:solidFill>
                 <a:effectLst/>
                 <a:latin typeface="-apple-system"/>
               </a:rPr>
-              <a:t>The measurements of wind speed, wind direction, and temperature from the 2D and 3D anemometer show themselves to be very similar and with a strong linear relationship. </a:t>
-            </a:r>
-          </a:p>
-          <a:p>
-            <a:pPr marL="342900" indent="-342900" algn="l">
-              <a:buFont typeface="Arial" panose="020B0604020202020204" pitchFamily="34" charset="0"/>
-              <a:buChar char="•"/>
-            </a:pPr>
-            <a:r>
-              <a:rPr lang="en-US" b="0" i="0" dirty="0">
+              <a:t>All wind speeds</a:t>
+            </a:r>
+          </a:p>
+        </p:txBody>
+      </p:sp>
+      <p:sp>
+        <p:nvSpPr>
+          <p:cNvPr id="18" name="TextBox 17">
+            <a:extLst>
+              <a:ext uri="{FF2B5EF4-FFF2-40B4-BE49-F238E27FC236}">
+                <a16:creationId xmlns:a16="http://schemas.microsoft.com/office/drawing/2014/main" id="{2EF3FD0D-BEB4-290F-2CA0-899534A0D412}"/>
+              </a:ext>
+            </a:extLst>
+          </p:cNvPr>
+          <p:cNvSpPr txBox="1"/>
+          <p:nvPr/>
+        </p:nvSpPr>
+        <p:spPr>
+          <a:xfrm>
+            <a:off x="6262480" y="1561387"/>
+            <a:ext cx="5448024" cy="461665"/>
+          </a:xfrm>
+          <a:prstGeom prst="rect">
+            <a:avLst/>
+          </a:prstGeom>
+          <a:noFill/>
+        </p:spPr>
+        <p:txBody>
+          <a:bodyPr wrap="square">
+            <a:spAutoFit/>
+          </a:bodyPr>
+          <a:lstStyle/>
+          <a:p>
+            <a:pPr algn="ctr"/>
+            <a:r>
+              <a:rPr lang="en-US" sz="2400" b="0" i="0" dirty="0">
                 <a:solidFill>
                   <a:srgbClr val="1F2328"/>
                 </a:solidFill>
                 <a:effectLst/>
                 <a:latin typeface="-apple-system"/>
               </a:rPr>
-              <a:t>There is some scatter in the data, but when averaged over time, the values are within a reasonable error tolerance. </a:t>
-            </a:r>
-          </a:p>
-          <a:p>
-            <a:pPr marL="342900" indent="-342900" algn="l">
-              <a:buFont typeface="Arial" panose="020B0604020202020204" pitchFamily="34" charset="0"/>
-              <a:buChar char="•"/>
-            </a:pPr>
-            <a:r>
-              <a:rPr lang="en-US" b="0" i="0" dirty="0">
-                <a:solidFill>
-                  <a:srgbClr val="1F2328"/>
-                </a:solidFill>
-                <a:effectLst/>
-                <a:latin typeface="-apple-system"/>
-              </a:rPr>
-              <a:t>Removing data with low wind speeds (less than 1m/s, the typical threshold for reliable measurements anyway) reduces the scatter. </a:t>
-            </a:r>
-          </a:p>
-          <a:p>
-            <a:pPr marL="342900" indent="-342900" algn="l">
-              <a:buFont typeface="Arial" panose="020B0604020202020204" pitchFamily="34" charset="0"/>
-              <a:buChar char="•"/>
-            </a:pPr>
-            <a:r>
-              <a:rPr lang="en-US" b="0" i="0" dirty="0">
-                <a:solidFill>
-                  <a:srgbClr val="1F2328"/>
-                </a:solidFill>
-                <a:effectLst/>
-                <a:latin typeface="-apple-system"/>
-              </a:rPr>
-              <a:t>This all suggests that the 2D anemometer data can be used instead of the 3D anemometer data if needed.</a:t>
+              <a:t>Wind speed &gt; 1m/s (2.2 mph)</a:t>
             </a:r>
           </a:p>
         </p:txBody>
@@ -7158,7 +7102,7 @@
     </p:spTree>
     <p:extLst>
       <p:ext uri="{BB962C8B-B14F-4D97-AF65-F5344CB8AC3E}">
-        <p14:creationId xmlns:p14="http://schemas.microsoft.com/office/powerpoint/2010/main" val="4094513359"/>
+        <p14:creationId xmlns:p14="http://schemas.microsoft.com/office/powerpoint/2010/main" val="3200757523"/>
       </p:ext>
     </p:extLst>
   </p:cSld>
@@ -7235,7 +7179,7 @@
         <p:spPr>
           <a:xfrm>
             <a:off x="841248" y="663960"/>
-            <a:ext cx="9456049" cy="1027113"/>
+            <a:ext cx="10370091" cy="1027113"/>
           </a:xfrm>
         </p:spPr>
         <p:txBody>
@@ -7247,7 +7191,7 @@
             <a:pPr algn="l"/>
             <a:r>
               <a:rPr lang="en-US" sz="3000" dirty="0"/>
-              <a:t>Assumptions Made in Study</a:t>
+              <a:t>Analysis : Linear Regression Wind Speed (2D vs. 3D)</a:t>
             </a:r>
           </a:p>
         </p:txBody>
@@ -7458,259 +7402,144 @@
           </a:p>
         </p:txBody>
       </p:sp>
-      <p:sp>
-        <p:nvSpPr>
-          <p:cNvPr id="2" name="Subtitle 2">
+      <p:pic>
+        <p:nvPicPr>
+          <p:cNvPr id="14" name="Picture 13">
             <a:extLst>
               <a:ext uri="{FF2B5EF4-FFF2-40B4-BE49-F238E27FC236}">
-                <a16:creationId xmlns:a16="http://schemas.microsoft.com/office/drawing/2014/main" id="{68EE0CA3-45D9-4CE6-CB8D-FB2EF5DCF670}"/>
+                <a16:creationId xmlns:a16="http://schemas.microsoft.com/office/drawing/2014/main" id="{54901106-80E4-2599-2084-DB799E3268CA}"/>
               </a:ext>
             </a:extLst>
           </p:cNvPr>
-          <p:cNvSpPr txBox="1">
-            <a:spLocks/>
-          </p:cNvSpPr>
+          <p:cNvPicPr>
+            <a:picLocks noChangeAspect="1"/>
+          </p:cNvPicPr>
           <p:nvPr/>
-        </p:nvSpPr>
+        </p:nvPicPr>
+        <p:blipFill>
+          <a:blip r:embed="rId3"/>
+          <a:srcRect/>
+          <a:stretch/>
+        </p:blipFill>
         <p:spPr>
           <a:xfrm>
-            <a:off x="993648" y="1648985"/>
-            <a:ext cx="9456049" cy="4697455"/>
+            <a:off x="503162" y="2322162"/>
+            <a:ext cx="5280870" cy="3530305"/>
           </a:xfrm>
           <a:prstGeom prst="rect">
             <a:avLst/>
           </a:prstGeom>
         </p:spPr>
-        <p:txBody>
-          <a:bodyPr vert="horz" lIns="91440" tIns="45720" rIns="91440" bIns="45720" rtlCol="0" anchor="t">
-            <a:normAutofit/>
+      </p:pic>
+      <p:pic>
+        <p:nvPicPr>
+          <p:cNvPr id="15" name="Picture 14">
+            <a:extLst>
+              <a:ext uri="{FF2B5EF4-FFF2-40B4-BE49-F238E27FC236}">
+                <a16:creationId xmlns:a16="http://schemas.microsoft.com/office/drawing/2014/main" id="{E2A53D9B-FBE0-88A8-6FB6-8034F46D6A3A}"/>
+              </a:ext>
+            </a:extLst>
+          </p:cNvPr>
+          <p:cNvPicPr>
+            <a:picLocks noChangeAspect="1"/>
+          </p:cNvPicPr>
+          <p:nvPr/>
+        </p:nvPicPr>
+        <p:blipFill>
+          <a:blip r:embed="rId4"/>
+          <a:srcRect/>
+          <a:stretch/>
+        </p:blipFill>
+        <p:spPr>
+          <a:xfrm>
+            <a:off x="6354495" y="2360347"/>
+            <a:ext cx="5263993" cy="3486791"/>
+          </a:xfrm>
+          <a:prstGeom prst="rect">
+            <a:avLst/>
+          </a:prstGeom>
+        </p:spPr>
+      </p:pic>
+      <p:sp>
+        <p:nvSpPr>
+          <p:cNvPr id="17" name="TextBox 16">
+            <a:extLst>
+              <a:ext uri="{FF2B5EF4-FFF2-40B4-BE49-F238E27FC236}">
+                <a16:creationId xmlns:a16="http://schemas.microsoft.com/office/drawing/2014/main" id="{0D8D0D9F-121F-D474-145B-42086A83B9DF}"/>
+              </a:ext>
+            </a:extLst>
+          </p:cNvPr>
+          <p:cNvSpPr txBox="1"/>
+          <p:nvPr/>
+        </p:nvSpPr>
+        <p:spPr>
+          <a:xfrm>
+            <a:off x="1984031" y="1594910"/>
+            <a:ext cx="2319131" cy="461665"/>
+          </a:xfrm>
+          <a:prstGeom prst="rect">
+            <a:avLst/>
+          </a:prstGeom>
+          <a:noFill/>
+        </p:spPr>
+        <p:txBody>
+          <a:bodyPr wrap="square">
+            <a:spAutoFit/>
           </a:bodyPr>
-          <a:lstStyle>
-            <a:lvl1pPr marL="0" indent="0" algn="l" defTabSz="914400" rtl="0" eaLnBrk="1" latinLnBrk="0" hangingPunct="1">
-              <a:lnSpc>
-                <a:spcPct val="130000"/>
-              </a:lnSpc>
-              <a:spcBef>
-                <a:spcPts val="1000"/>
-              </a:spcBef>
-              <a:buFont typeface="Arial" panose="020B0604020202020204" pitchFamily="34" charset="0"/>
-              <a:buNone/>
-              <a:defRPr sz="2000" kern="1200">
-                <a:solidFill>
-                  <a:schemeClr val="tx1"/>
-                </a:solidFill>
-                <a:latin typeface="+mn-lt"/>
-                <a:ea typeface="+mn-ea"/>
-                <a:cs typeface="+mn-cs"/>
-              </a:defRPr>
-            </a:lvl1pPr>
-            <a:lvl2pPr marL="457200" indent="0" algn="ctr" defTabSz="914400" rtl="0" eaLnBrk="1" latinLnBrk="0" hangingPunct="1">
-              <a:lnSpc>
-                <a:spcPct val="130000"/>
-              </a:lnSpc>
-              <a:spcBef>
-                <a:spcPts val="500"/>
-              </a:spcBef>
-              <a:buFont typeface="Arial" panose="020B0604020202020204" pitchFamily="34" charset="0"/>
-              <a:buNone/>
-              <a:defRPr sz="2000" kern="1200">
-                <a:solidFill>
-                  <a:schemeClr val="tx1"/>
-                </a:solidFill>
-                <a:latin typeface="+mn-lt"/>
-                <a:ea typeface="+mn-ea"/>
-                <a:cs typeface="+mn-cs"/>
-              </a:defRPr>
-            </a:lvl2pPr>
-            <a:lvl3pPr marL="914400" indent="0" algn="ctr" defTabSz="914400" rtl="0" eaLnBrk="1" latinLnBrk="0" hangingPunct="1">
-              <a:lnSpc>
-                <a:spcPct val="130000"/>
-              </a:lnSpc>
-              <a:spcBef>
-                <a:spcPts val="500"/>
-              </a:spcBef>
-              <a:buFont typeface="Arial" panose="020B0604020202020204" pitchFamily="34" charset="0"/>
-              <a:buNone/>
-              <a:defRPr sz="1800" kern="1200">
-                <a:solidFill>
-                  <a:schemeClr val="tx1"/>
-                </a:solidFill>
-                <a:latin typeface="+mn-lt"/>
-                <a:ea typeface="+mn-ea"/>
-                <a:cs typeface="+mn-cs"/>
-              </a:defRPr>
-            </a:lvl3pPr>
-            <a:lvl4pPr marL="1371600" indent="0" algn="ctr" defTabSz="914400" rtl="0" eaLnBrk="1" latinLnBrk="0" hangingPunct="1">
-              <a:lnSpc>
-                <a:spcPct val="130000"/>
-              </a:lnSpc>
-              <a:spcBef>
-                <a:spcPts val="500"/>
-              </a:spcBef>
-              <a:buFont typeface="Arial" panose="020B0604020202020204" pitchFamily="34" charset="0"/>
-              <a:buNone/>
-              <a:defRPr sz="1600" kern="1200">
-                <a:solidFill>
-                  <a:schemeClr val="tx1"/>
-                </a:solidFill>
-                <a:latin typeface="+mn-lt"/>
-                <a:ea typeface="+mn-ea"/>
-                <a:cs typeface="+mn-cs"/>
-              </a:defRPr>
-            </a:lvl4pPr>
-            <a:lvl5pPr marL="1828800" indent="0" algn="ctr" defTabSz="914400" rtl="0" eaLnBrk="1" latinLnBrk="0" hangingPunct="1">
-              <a:lnSpc>
-                <a:spcPct val="130000"/>
-              </a:lnSpc>
-              <a:spcBef>
-                <a:spcPts val="500"/>
-              </a:spcBef>
-              <a:buFont typeface="Arial" panose="020B0604020202020204" pitchFamily="34" charset="0"/>
-              <a:buNone/>
-              <a:defRPr sz="1600" kern="1200">
-                <a:solidFill>
-                  <a:schemeClr val="tx1"/>
-                </a:solidFill>
-                <a:latin typeface="+mn-lt"/>
-                <a:ea typeface="+mn-ea"/>
-                <a:cs typeface="+mn-cs"/>
-              </a:defRPr>
-            </a:lvl5pPr>
-            <a:lvl6pPr marL="2286000" indent="0" algn="ctr" defTabSz="914400" rtl="0" eaLnBrk="1" latinLnBrk="0" hangingPunct="1">
-              <a:lnSpc>
-                <a:spcPct val="90000"/>
-              </a:lnSpc>
-              <a:spcBef>
-                <a:spcPts val="500"/>
-              </a:spcBef>
-              <a:buFont typeface="Arial" panose="020B0604020202020204" pitchFamily="34" charset="0"/>
-              <a:buNone/>
-              <a:defRPr sz="1600" kern="1200">
-                <a:solidFill>
-                  <a:schemeClr val="tx1"/>
-                </a:solidFill>
-                <a:latin typeface="+mn-lt"/>
-                <a:ea typeface="+mn-ea"/>
-                <a:cs typeface="+mn-cs"/>
-              </a:defRPr>
-            </a:lvl6pPr>
-            <a:lvl7pPr marL="2743200" indent="0" algn="ctr" defTabSz="914400" rtl="0" eaLnBrk="1" latinLnBrk="0" hangingPunct="1">
-              <a:lnSpc>
-                <a:spcPct val="90000"/>
-              </a:lnSpc>
-              <a:spcBef>
-                <a:spcPts val="500"/>
-              </a:spcBef>
-              <a:buFont typeface="Arial" panose="020B0604020202020204" pitchFamily="34" charset="0"/>
-              <a:buNone/>
-              <a:defRPr sz="1600" kern="1200">
-                <a:solidFill>
-                  <a:schemeClr val="tx1"/>
-                </a:solidFill>
-                <a:latin typeface="+mn-lt"/>
-                <a:ea typeface="+mn-ea"/>
-                <a:cs typeface="+mn-cs"/>
-              </a:defRPr>
-            </a:lvl7pPr>
-            <a:lvl8pPr marL="3200400" indent="0" algn="ctr" defTabSz="914400" rtl="0" eaLnBrk="1" latinLnBrk="0" hangingPunct="1">
-              <a:lnSpc>
-                <a:spcPct val="90000"/>
-              </a:lnSpc>
-              <a:spcBef>
-                <a:spcPts val="500"/>
-              </a:spcBef>
-              <a:buFont typeface="Arial" panose="020B0604020202020204" pitchFamily="34" charset="0"/>
-              <a:buNone/>
-              <a:defRPr sz="1600" kern="1200">
-                <a:solidFill>
-                  <a:schemeClr val="tx1"/>
-                </a:solidFill>
-                <a:latin typeface="+mn-lt"/>
-                <a:ea typeface="+mn-ea"/>
-                <a:cs typeface="+mn-cs"/>
-              </a:defRPr>
-            </a:lvl8pPr>
-            <a:lvl9pPr marL="3657600" indent="0" algn="ctr" defTabSz="914400" rtl="0" eaLnBrk="1" latinLnBrk="0" hangingPunct="1">
-              <a:lnSpc>
-                <a:spcPct val="90000"/>
-              </a:lnSpc>
-              <a:spcBef>
-                <a:spcPts val="500"/>
-              </a:spcBef>
-              <a:buFont typeface="Arial" panose="020B0604020202020204" pitchFamily="34" charset="0"/>
-              <a:buNone/>
-              <a:defRPr sz="1600" kern="1200">
-                <a:solidFill>
-                  <a:schemeClr val="tx1"/>
-                </a:solidFill>
-                <a:latin typeface="+mn-lt"/>
-                <a:ea typeface="+mn-ea"/>
-                <a:cs typeface="+mn-cs"/>
-              </a:defRPr>
-            </a:lvl9pPr>
-          </a:lstStyle>
-          <a:p>
-            <a:pPr marL="285750" indent="-285750" algn="l">
-              <a:buFont typeface="Arial" panose="020B0604020202020204" pitchFamily="34" charset="0"/>
-              <a:buChar char="•"/>
-            </a:pPr>
-            <a:r>
-              <a:rPr lang="en-US" b="0" i="0" dirty="0">
+          <a:lstStyle/>
+          <a:p>
+            <a:pPr algn="ctr"/>
+            <a:r>
+              <a:rPr lang="en-US" sz="2400" b="0" i="0" dirty="0">
                 <a:solidFill>
                   <a:srgbClr val="1F2328"/>
                 </a:solidFill>
                 <a:effectLst/>
                 <a:latin typeface="-apple-system"/>
               </a:rPr>
-              <a:t>The anemometers are oriented correctly and were in normal operation during the timespan of the datasets.</a:t>
-            </a:r>
-          </a:p>
-          <a:p>
-            <a:pPr marL="285750" indent="-285750" algn="l">
-              <a:buFont typeface="Arial" panose="020B0604020202020204" pitchFamily="34" charset="0"/>
-              <a:buChar char="•"/>
-            </a:pPr>
-            <a:r>
-              <a:rPr lang="en-US" b="0" i="0" dirty="0">
+              <a:t>All wind speeds</a:t>
+            </a:r>
+          </a:p>
+        </p:txBody>
+      </p:sp>
+      <p:sp>
+        <p:nvSpPr>
+          <p:cNvPr id="18" name="TextBox 17">
+            <a:extLst>
+              <a:ext uri="{FF2B5EF4-FFF2-40B4-BE49-F238E27FC236}">
+                <a16:creationId xmlns:a16="http://schemas.microsoft.com/office/drawing/2014/main" id="{2EF3FD0D-BEB4-290F-2CA0-899534A0D412}"/>
+              </a:ext>
+            </a:extLst>
+          </p:cNvPr>
+          <p:cNvSpPr txBox="1"/>
+          <p:nvPr/>
+        </p:nvSpPr>
+        <p:spPr>
+          <a:xfrm>
+            <a:off x="6262480" y="1561387"/>
+            <a:ext cx="5448024" cy="461665"/>
+          </a:xfrm>
+          <a:prstGeom prst="rect">
+            <a:avLst/>
+          </a:prstGeom>
+          <a:noFill/>
+        </p:spPr>
+        <p:txBody>
+          <a:bodyPr wrap="square">
+            <a:spAutoFit/>
+          </a:bodyPr>
+          <a:lstStyle/>
+          <a:p>
+            <a:pPr algn="ctr"/>
+            <a:r>
+              <a:rPr lang="en-US" sz="2400" b="0" i="0" dirty="0">
                 <a:solidFill>
                   <a:srgbClr val="1F2328"/>
                 </a:solidFill>
                 <a:effectLst/>
                 <a:latin typeface="-apple-system"/>
               </a:rPr>
-              <a:t>The wind shear formula applies to correcting the wind speeds for height.</a:t>
-            </a:r>
-          </a:p>
-          <a:p>
-            <a:pPr marL="285750" indent="-285750" algn="l">
-              <a:buFont typeface="Arial" panose="020B0604020202020204" pitchFamily="34" charset="0"/>
-              <a:buChar char="•"/>
-            </a:pPr>
-            <a:r>
-              <a:rPr lang="en-US" b="0" i="0" dirty="0">
-                <a:solidFill>
-                  <a:srgbClr val="1F2328"/>
-                </a:solidFill>
-                <a:effectLst/>
-                <a:latin typeface="-apple-system"/>
-              </a:rPr>
-              <a:t>Both anemometers are placed in the open and surrounded by similar terrain and not located close to any heat sink or source.</a:t>
-            </a:r>
-          </a:p>
-          <a:p>
-            <a:pPr marL="285750" indent="-285750" algn="l">
-              <a:buFont typeface="Arial" panose="020B0604020202020204" pitchFamily="34" charset="0"/>
-              <a:buChar char="•"/>
-            </a:pPr>
-            <a:r>
-              <a:rPr lang="en-US" b="0" i="0" dirty="0">
-                <a:solidFill>
-                  <a:srgbClr val="1F2328"/>
-                </a:solidFill>
-                <a:effectLst/>
-                <a:latin typeface="-apple-system"/>
-              </a:rPr>
-              <a:t>The anemometer data was collected for 30 days during the winter in North Dakota, when weather can be quite harsh. This analysis assumes that the weather and conditions do not affect the results. It also assumes that this 30-day window is representative of general behavior at any time.</a:t>
+              <a:t>Wind speed &gt; 1m/s (2.2 mph)</a:t>
             </a:r>
           </a:p>
         </p:txBody>
@@ -7718,7 +7547,7 @@
     </p:spTree>
     <p:extLst>
       <p:ext uri="{BB962C8B-B14F-4D97-AF65-F5344CB8AC3E}">
-        <p14:creationId xmlns:p14="http://schemas.microsoft.com/office/powerpoint/2010/main" val="1525079416"/>
+        <p14:creationId xmlns:p14="http://schemas.microsoft.com/office/powerpoint/2010/main" val="3653652985"/>
       </p:ext>
     </p:extLst>
   </p:cSld>
@@ -7795,6 +7624,2016 @@
         <p:spPr>
           <a:xfrm>
             <a:off x="841248" y="663960"/>
+            <a:ext cx="10370091" cy="1027113"/>
+          </a:xfrm>
+        </p:spPr>
+        <p:txBody>
+          <a:bodyPr anchor="t">
+            <a:normAutofit/>
+          </a:bodyPr>
+          <a:lstStyle/>
+          <a:p>
+            <a:pPr algn="l"/>
+            <a:r>
+              <a:rPr lang="en-US" sz="3000" dirty="0"/>
+              <a:t>Analysis : Linear Regression Wind Direction (2D vs. 3D)</a:t>
+            </a:r>
+          </a:p>
+        </p:txBody>
+      </p:sp>
+      <p:sp>
+        <p:nvSpPr>
+          <p:cNvPr id="8" name="Subtitle 2">
+            <a:extLst>
+              <a:ext uri="{FF2B5EF4-FFF2-40B4-BE49-F238E27FC236}">
+                <a16:creationId xmlns:a16="http://schemas.microsoft.com/office/drawing/2014/main" id="{D13C72CA-A6B8-B249-A895-C5CA493A8D90}"/>
+              </a:ext>
+            </a:extLst>
+          </p:cNvPr>
+          <p:cNvSpPr txBox="1">
+            <a:spLocks/>
+          </p:cNvSpPr>
+          <p:nvPr/>
+        </p:nvSpPr>
+        <p:spPr>
+          <a:xfrm>
+            <a:off x="841248" y="1496585"/>
+            <a:ext cx="9456049" cy="4697455"/>
+          </a:xfrm>
+          <a:prstGeom prst="rect">
+            <a:avLst/>
+          </a:prstGeom>
+        </p:spPr>
+        <p:txBody>
+          <a:bodyPr vert="horz" lIns="91440" tIns="45720" rIns="91440" bIns="45720" rtlCol="0" anchor="t">
+            <a:normAutofit/>
+          </a:bodyPr>
+          <a:lstStyle>
+            <a:lvl1pPr marL="0" indent="0" algn="l" defTabSz="914400" rtl="0" eaLnBrk="1" latinLnBrk="0" hangingPunct="1">
+              <a:lnSpc>
+                <a:spcPct val="130000"/>
+              </a:lnSpc>
+              <a:spcBef>
+                <a:spcPts val="1000"/>
+              </a:spcBef>
+              <a:buFont typeface="Arial" panose="020B0604020202020204" pitchFamily="34" charset="0"/>
+              <a:buNone/>
+              <a:defRPr sz="2000" kern="1200">
+                <a:solidFill>
+                  <a:schemeClr val="tx1"/>
+                </a:solidFill>
+                <a:latin typeface="+mn-lt"/>
+                <a:ea typeface="+mn-ea"/>
+                <a:cs typeface="+mn-cs"/>
+              </a:defRPr>
+            </a:lvl1pPr>
+            <a:lvl2pPr marL="457200" indent="0" algn="ctr" defTabSz="914400" rtl="0" eaLnBrk="1" latinLnBrk="0" hangingPunct="1">
+              <a:lnSpc>
+                <a:spcPct val="130000"/>
+              </a:lnSpc>
+              <a:spcBef>
+                <a:spcPts val="500"/>
+              </a:spcBef>
+              <a:buFont typeface="Arial" panose="020B0604020202020204" pitchFamily="34" charset="0"/>
+              <a:buNone/>
+              <a:defRPr sz="2000" kern="1200">
+                <a:solidFill>
+                  <a:schemeClr val="tx1"/>
+                </a:solidFill>
+                <a:latin typeface="+mn-lt"/>
+                <a:ea typeface="+mn-ea"/>
+                <a:cs typeface="+mn-cs"/>
+              </a:defRPr>
+            </a:lvl2pPr>
+            <a:lvl3pPr marL="914400" indent="0" algn="ctr" defTabSz="914400" rtl="0" eaLnBrk="1" latinLnBrk="0" hangingPunct="1">
+              <a:lnSpc>
+                <a:spcPct val="130000"/>
+              </a:lnSpc>
+              <a:spcBef>
+                <a:spcPts val="500"/>
+              </a:spcBef>
+              <a:buFont typeface="Arial" panose="020B0604020202020204" pitchFamily="34" charset="0"/>
+              <a:buNone/>
+              <a:defRPr sz="1800" kern="1200">
+                <a:solidFill>
+                  <a:schemeClr val="tx1"/>
+                </a:solidFill>
+                <a:latin typeface="+mn-lt"/>
+                <a:ea typeface="+mn-ea"/>
+                <a:cs typeface="+mn-cs"/>
+              </a:defRPr>
+            </a:lvl3pPr>
+            <a:lvl4pPr marL="1371600" indent="0" algn="ctr" defTabSz="914400" rtl="0" eaLnBrk="1" latinLnBrk="0" hangingPunct="1">
+              <a:lnSpc>
+                <a:spcPct val="130000"/>
+              </a:lnSpc>
+              <a:spcBef>
+                <a:spcPts val="500"/>
+              </a:spcBef>
+              <a:buFont typeface="Arial" panose="020B0604020202020204" pitchFamily="34" charset="0"/>
+              <a:buNone/>
+              <a:defRPr sz="1600" kern="1200">
+                <a:solidFill>
+                  <a:schemeClr val="tx1"/>
+                </a:solidFill>
+                <a:latin typeface="+mn-lt"/>
+                <a:ea typeface="+mn-ea"/>
+                <a:cs typeface="+mn-cs"/>
+              </a:defRPr>
+            </a:lvl4pPr>
+            <a:lvl5pPr marL="1828800" indent="0" algn="ctr" defTabSz="914400" rtl="0" eaLnBrk="1" latinLnBrk="0" hangingPunct="1">
+              <a:lnSpc>
+                <a:spcPct val="130000"/>
+              </a:lnSpc>
+              <a:spcBef>
+                <a:spcPts val="500"/>
+              </a:spcBef>
+              <a:buFont typeface="Arial" panose="020B0604020202020204" pitchFamily="34" charset="0"/>
+              <a:buNone/>
+              <a:defRPr sz="1600" kern="1200">
+                <a:solidFill>
+                  <a:schemeClr val="tx1"/>
+                </a:solidFill>
+                <a:latin typeface="+mn-lt"/>
+                <a:ea typeface="+mn-ea"/>
+                <a:cs typeface="+mn-cs"/>
+              </a:defRPr>
+            </a:lvl5pPr>
+            <a:lvl6pPr marL="2286000" indent="0" algn="ctr" defTabSz="914400" rtl="0" eaLnBrk="1" latinLnBrk="0" hangingPunct="1">
+              <a:lnSpc>
+                <a:spcPct val="90000"/>
+              </a:lnSpc>
+              <a:spcBef>
+                <a:spcPts val="500"/>
+              </a:spcBef>
+              <a:buFont typeface="Arial" panose="020B0604020202020204" pitchFamily="34" charset="0"/>
+              <a:buNone/>
+              <a:defRPr sz="1600" kern="1200">
+                <a:solidFill>
+                  <a:schemeClr val="tx1"/>
+                </a:solidFill>
+                <a:latin typeface="+mn-lt"/>
+                <a:ea typeface="+mn-ea"/>
+                <a:cs typeface="+mn-cs"/>
+              </a:defRPr>
+            </a:lvl6pPr>
+            <a:lvl7pPr marL="2743200" indent="0" algn="ctr" defTabSz="914400" rtl="0" eaLnBrk="1" latinLnBrk="0" hangingPunct="1">
+              <a:lnSpc>
+                <a:spcPct val="90000"/>
+              </a:lnSpc>
+              <a:spcBef>
+                <a:spcPts val="500"/>
+              </a:spcBef>
+              <a:buFont typeface="Arial" panose="020B0604020202020204" pitchFamily="34" charset="0"/>
+              <a:buNone/>
+              <a:defRPr sz="1600" kern="1200">
+                <a:solidFill>
+                  <a:schemeClr val="tx1"/>
+                </a:solidFill>
+                <a:latin typeface="+mn-lt"/>
+                <a:ea typeface="+mn-ea"/>
+                <a:cs typeface="+mn-cs"/>
+              </a:defRPr>
+            </a:lvl7pPr>
+            <a:lvl8pPr marL="3200400" indent="0" algn="ctr" defTabSz="914400" rtl="0" eaLnBrk="1" latinLnBrk="0" hangingPunct="1">
+              <a:lnSpc>
+                <a:spcPct val="90000"/>
+              </a:lnSpc>
+              <a:spcBef>
+                <a:spcPts val="500"/>
+              </a:spcBef>
+              <a:buFont typeface="Arial" panose="020B0604020202020204" pitchFamily="34" charset="0"/>
+              <a:buNone/>
+              <a:defRPr sz="1600" kern="1200">
+                <a:solidFill>
+                  <a:schemeClr val="tx1"/>
+                </a:solidFill>
+                <a:latin typeface="+mn-lt"/>
+                <a:ea typeface="+mn-ea"/>
+                <a:cs typeface="+mn-cs"/>
+              </a:defRPr>
+            </a:lvl8pPr>
+            <a:lvl9pPr marL="3657600" indent="0" algn="ctr" defTabSz="914400" rtl="0" eaLnBrk="1" latinLnBrk="0" hangingPunct="1">
+              <a:lnSpc>
+                <a:spcPct val="90000"/>
+              </a:lnSpc>
+              <a:spcBef>
+                <a:spcPts val="500"/>
+              </a:spcBef>
+              <a:buFont typeface="Arial" panose="020B0604020202020204" pitchFamily="34" charset="0"/>
+              <a:buNone/>
+              <a:defRPr sz="1600" kern="1200">
+                <a:solidFill>
+                  <a:schemeClr val="tx1"/>
+                </a:solidFill>
+                <a:latin typeface="+mn-lt"/>
+                <a:ea typeface="+mn-ea"/>
+                <a:cs typeface="+mn-cs"/>
+              </a:defRPr>
+            </a:lvl9pPr>
+          </a:lstStyle>
+          <a:p>
+            <a:pPr marL="342900" indent="-342900" algn="l">
+              <a:buFont typeface="Arial" panose="020B0604020202020204" pitchFamily="34" charset="0"/>
+              <a:buChar char="•"/>
+            </a:pPr>
+            <a:endParaRPr lang="en-US" b="0" i="0" dirty="0">
+              <a:solidFill>
+                <a:srgbClr val="1F2328"/>
+              </a:solidFill>
+              <a:effectLst/>
+              <a:latin typeface="-apple-system"/>
+            </a:endParaRPr>
+          </a:p>
+        </p:txBody>
+      </p:sp>
+      <p:pic>
+        <p:nvPicPr>
+          <p:cNvPr id="14" name="Picture 13">
+            <a:extLst>
+              <a:ext uri="{FF2B5EF4-FFF2-40B4-BE49-F238E27FC236}">
+                <a16:creationId xmlns:a16="http://schemas.microsoft.com/office/drawing/2014/main" id="{54901106-80E4-2599-2084-DB799E3268CA}"/>
+              </a:ext>
+            </a:extLst>
+          </p:cNvPr>
+          <p:cNvPicPr>
+            <a:picLocks noChangeAspect="1"/>
+          </p:cNvPicPr>
+          <p:nvPr/>
+        </p:nvPicPr>
+        <p:blipFill>
+          <a:blip r:embed="rId3"/>
+          <a:srcRect/>
+          <a:stretch/>
+        </p:blipFill>
+        <p:spPr>
+          <a:xfrm>
+            <a:off x="510416" y="2322162"/>
+            <a:ext cx="5266361" cy="3530305"/>
+          </a:xfrm>
+          <a:prstGeom prst="rect">
+            <a:avLst/>
+          </a:prstGeom>
+        </p:spPr>
+      </p:pic>
+      <p:pic>
+        <p:nvPicPr>
+          <p:cNvPr id="15" name="Picture 14">
+            <a:extLst>
+              <a:ext uri="{FF2B5EF4-FFF2-40B4-BE49-F238E27FC236}">
+                <a16:creationId xmlns:a16="http://schemas.microsoft.com/office/drawing/2014/main" id="{E2A53D9B-FBE0-88A8-6FB6-8034F46D6A3A}"/>
+              </a:ext>
+            </a:extLst>
+          </p:cNvPr>
+          <p:cNvPicPr>
+            <a:picLocks noChangeAspect="1"/>
+          </p:cNvPicPr>
+          <p:nvPr/>
+        </p:nvPicPr>
+        <p:blipFill>
+          <a:blip r:embed="rId4"/>
+          <a:srcRect/>
+          <a:stretch/>
+        </p:blipFill>
+        <p:spPr>
+          <a:xfrm>
+            <a:off x="6354495" y="2361980"/>
+            <a:ext cx="5263993" cy="3483524"/>
+          </a:xfrm>
+          <a:prstGeom prst="rect">
+            <a:avLst/>
+          </a:prstGeom>
+        </p:spPr>
+      </p:pic>
+      <p:sp>
+        <p:nvSpPr>
+          <p:cNvPr id="17" name="TextBox 16">
+            <a:extLst>
+              <a:ext uri="{FF2B5EF4-FFF2-40B4-BE49-F238E27FC236}">
+                <a16:creationId xmlns:a16="http://schemas.microsoft.com/office/drawing/2014/main" id="{0D8D0D9F-121F-D474-145B-42086A83B9DF}"/>
+              </a:ext>
+            </a:extLst>
+          </p:cNvPr>
+          <p:cNvSpPr txBox="1"/>
+          <p:nvPr/>
+        </p:nvSpPr>
+        <p:spPr>
+          <a:xfrm>
+            <a:off x="1984031" y="1594910"/>
+            <a:ext cx="2319131" cy="461665"/>
+          </a:xfrm>
+          <a:prstGeom prst="rect">
+            <a:avLst/>
+          </a:prstGeom>
+          <a:noFill/>
+        </p:spPr>
+        <p:txBody>
+          <a:bodyPr wrap="square">
+            <a:spAutoFit/>
+          </a:bodyPr>
+          <a:lstStyle/>
+          <a:p>
+            <a:pPr algn="ctr"/>
+            <a:r>
+              <a:rPr lang="en-US" sz="2400" b="0" i="0" dirty="0">
+                <a:solidFill>
+                  <a:srgbClr val="1F2328"/>
+                </a:solidFill>
+                <a:effectLst/>
+                <a:latin typeface="-apple-system"/>
+              </a:rPr>
+              <a:t>All wind speeds</a:t>
+            </a:r>
+          </a:p>
+        </p:txBody>
+      </p:sp>
+      <p:sp>
+        <p:nvSpPr>
+          <p:cNvPr id="18" name="TextBox 17">
+            <a:extLst>
+              <a:ext uri="{FF2B5EF4-FFF2-40B4-BE49-F238E27FC236}">
+                <a16:creationId xmlns:a16="http://schemas.microsoft.com/office/drawing/2014/main" id="{2EF3FD0D-BEB4-290F-2CA0-899534A0D412}"/>
+              </a:ext>
+            </a:extLst>
+          </p:cNvPr>
+          <p:cNvSpPr txBox="1"/>
+          <p:nvPr/>
+        </p:nvSpPr>
+        <p:spPr>
+          <a:xfrm>
+            <a:off x="6262480" y="1561387"/>
+            <a:ext cx="5448024" cy="461665"/>
+          </a:xfrm>
+          <a:prstGeom prst="rect">
+            <a:avLst/>
+          </a:prstGeom>
+          <a:noFill/>
+        </p:spPr>
+        <p:txBody>
+          <a:bodyPr wrap="square">
+            <a:spAutoFit/>
+          </a:bodyPr>
+          <a:lstStyle/>
+          <a:p>
+            <a:pPr algn="ctr"/>
+            <a:r>
+              <a:rPr lang="en-US" sz="2400" b="0" i="0" dirty="0">
+                <a:solidFill>
+                  <a:srgbClr val="1F2328"/>
+                </a:solidFill>
+                <a:effectLst/>
+                <a:latin typeface="-apple-system"/>
+              </a:rPr>
+              <a:t>Wind speed &gt; 1m/s (2.2 mph)</a:t>
+            </a:r>
+          </a:p>
+        </p:txBody>
+      </p:sp>
+    </p:spTree>
+    <p:extLst>
+      <p:ext uri="{BB962C8B-B14F-4D97-AF65-F5344CB8AC3E}">
+        <p14:creationId xmlns:p14="http://schemas.microsoft.com/office/powerpoint/2010/main" val="1554272815"/>
+      </p:ext>
+    </p:extLst>
+  </p:cSld>
+  <p:clrMapOvr>
+    <a:masterClrMapping/>
+  </p:clrMapOvr>
+</p:sld>
+</file>
+
+<file path=ppt/slides/slide14.xml><?xml version="1.0" encoding="utf-8"?>
+<p:sld xmlns:a="http://schemas.openxmlformats.org/drawingml/2006/main" xmlns:r="http://schemas.openxmlformats.org/officeDocument/2006/relationships" xmlns:p="http://schemas.openxmlformats.org/presentationml/2006/main">
+  <p:cSld>
+    <p:spTree>
+      <p:nvGrpSpPr>
+        <p:cNvPr id="1" name=""/>
+        <p:cNvGrpSpPr/>
+        <p:nvPr/>
+      </p:nvGrpSpPr>
+      <p:grpSpPr>
+        <a:xfrm>
+          <a:off x="0" y="0"/>
+          <a:ext cx="0" cy="0"/>
+          <a:chOff x="0" y="0"/>
+          <a:chExt cx="0" cy="0"/>
+        </a:xfrm>
+      </p:grpSpPr>
+      <p:pic>
+        <p:nvPicPr>
+          <p:cNvPr id="4" name="Picture 3" descr="Triangular abstract background">
+            <a:extLst>
+              <a:ext uri="{FF2B5EF4-FFF2-40B4-BE49-F238E27FC236}">
+                <a16:creationId xmlns:a16="http://schemas.microsoft.com/office/drawing/2014/main" id="{1AF044F3-45C7-9FFE-4A4F-ECCA4FB99F53}"/>
+              </a:ext>
+            </a:extLst>
+          </p:cNvPr>
+          <p:cNvPicPr>
+            <a:picLocks noChangeAspect="1"/>
+          </p:cNvPicPr>
+          <p:nvPr/>
+        </p:nvPicPr>
+        <p:blipFill>
+          <a:blip r:embed="rId2">
+            <a:alphaModFix amt="40000"/>
+          </a:blip>
+          <a:srcRect t="15709" r="-1" b="-1"/>
+          <a:stretch/>
+        </p:blipFill>
+        <p:spPr>
+          <a:xfrm>
+            <a:off x="20" y="10"/>
+            <a:ext cx="12188932" cy="6857990"/>
+          </a:xfrm>
+          <a:prstGeom prst="rect">
+            <a:avLst/>
+          </a:prstGeom>
+        </p:spPr>
+      </p:pic>
+      <p:sp>
+        <p:nvSpPr>
+          <p:cNvPr id="3" name="Subtitle 2">
+            <a:extLst>
+              <a:ext uri="{FF2B5EF4-FFF2-40B4-BE49-F238E27FC236}">
+                <a16:creationId xmlns:a16="http://schemas.microsoft.com/office/drawing/2014/main" id="{FEBEFC93-373B-12B3-6E89-899CD71F9FFC}"/>
+              </a:ext>
+            </a:extLst>
+          </p:cNvPr>
+          <p:cNvSpPr>
+            <a:spLocks noGrp="1"/>
+          </p:cNvSpPr>
+          <p:nvPr>
+            <p:ph type="subTitle" idx="1"/>
+          </p:nvPr>
+        </p:nvSpPr>
+        <p:spPr>
+          <a:xfrm>
+            <a:off x="841248" y="663960"/>
+            <a:ext cx="10370091" cy="1027113"/>
+          </a:xfrm>
+        </p:spPr>
+        <p:txBody>
+          <a:bodyPr anchor="t">
+            <a:normAutofit/>
+          </a:bodyPr>
+          <a:lstStyle/>
+          <a:p>
+            <a:pPr algn="l"/>
+            <a:r>
+              <a:rPr lang="en-US" sz="3000" dirty="0"/>
+              <a:t>Analysis : Linear Regression Temperature (2D vs. 3D)</a:t>
+            </a:r>
+          </a:p>
+        </p:txBody>
+      </p:sp>
+      <p:sp>
+        <p:nvSpPr>
+          <p:cNvPr id="8" name="Subtitle 2">
+            <a:extLst>
+              <a:ext uri="{FF2B5EF4-FFF2-40B4-BE49-F238E27FC236}">
+                <a16:creationId xmlns:a16="http://schemas.microsoft.com/office/drawing/2014/main" id="{D13C72CA-A6B8-B249-A895-C5CA493A8D90}"/>
+              </a:ext>
+            </a:extLst>
+          </p:cNvPr>
+          <p:cNvSpPr txBox="1">
+            <a:spLocks/>
+          </p:cNvSpPr>
+          <p:nvPr/>
+        </p:nvSpPr>
+        <p:spPr>
+          <a:xfrm>
+            <a:off x="841248" y="1496585"/>
+            <a:ext cx="9456049" cy="4697455"/>
+          </a:xfrm>
+          <a:prstGeom prst="rect">
+            <a:avLst/>
+          </a:prstGeom>
+        </p:spPr>
+        <p:txBody>
+          <a:bodyPr vert="horz" lIns="91440" tIns="45720" rIns="91440" bIns="45720" rtlCol="0" anchor="t">
+            <a:normAutofit/>
+          </a:bodyPr>
+          <a:lstStyle>
+            <a:lvl1pPr marL="0" indent="0" algn="l" defTabSz="914400" rtl="0" eaLnBrk="1" latinLnBrk="0" hangingPunct="1">
+              <a:lnSpc>
+                <a:spcPct val="130000"/>
+              </a:lnSpc>
+              <a:spcBef>
+                <a:spcPts val="1000"/>
+              </a:spcBef>
+              <a:buFont typeface="Arial" panose="020B0604020202020204" pitchFamily="34" charset="0"/>
+              <a:buNone/>
+              <a:defRPr sz="2000" kern="1200">
+                <a:solidFill>
+                  <a:schemeClr val="tx1"/>
+                </a:solidFill>
+                <a:latin typeface="+mn-lt"/>
+                <a:ea typeface="+mn-ea"/>
+                <a:cs typeface="+mn-cs"/>
+              </a:defRPr>
+            </a:lvl1pPr>
+            <a:lvl2pPr marL="457200" indent="0" algn="ctr" defTabSz="914400" rtl="0" eaLnBrk="1" latinLnBrk="0" hangingPunct="1">
+              <a:lnSpc>
+                <a:spcPct val="130000"/>
+              </a:lnSpc>
+              <a:spcBef>
+                <a:spcPts val="500"/>
+              </a:spcBef>
+              <a:buFont typeface="Arial" panose="020B0604020202020204" pitchFamily="34" charset="0"/>
+              <a:buNone/>
+              <a:defRPr sz="2000" kern="1200">
+                <a:solidFill>
+                  <a:schemeClr val="tx1"/>
+                </a:solidFill>
+                <a:latin typeface="+mn-lt"/>
+                <a:ea typeface="+mn-ea"/>
+                <a:cs typeface="+mn-cs"/>
+              </a:defRPr>
+            </a:lvl2pPr>
+            <a:lvl3pPr marL="914400" indent="0" algn="ctr" defTabSz="914400" rtl="0" eaLnBrk="1" latinLnBrk="0" hangingPunct="1">
+              <a:lnSpc>
+                <a:spcPct val="130000"/>
+              </a:lnSpc>
+              <a:spcBef>
+                <a:spcPts val="500"/>
+              </a:spcBef>
+              <a:buFont typeface="Arial" panose="020B0604020202020204" pitchFamily="34" charset="0"/>
+              <a:buNone/>
+              <a:defRPr sz="1800" kern="1200">
+                <a:solidFill>
+                  <a:schemeClr val="tx1"/>
+                </a:solidFill>
+                <a:latin typeface="+mn-lt"/>
+                <a:ea typeface="+mn-ea"/>
+                <a:cs typeface="+mn-cs"/>
+              </a:defRPr>
+            </a:lvl3pPr>
+            <a:lvl4pPr marL="1371600" indent="0" algn="ctr" defTabSz="914400" rtl="0" eaLnBrk="1" latinLnBrk="0" hangingPunct="1">
+              <a:lnSpc>
+                <a:spcPct val="130000"/>
+              </a:lnSpc>
+              <a:spcBef>
+                <a:spcPts val="500"/>
+              </a:spcBef>
+              <a:buFont typeface="Arial" panose="020B0604020202020204" pitchFamily="34" charset="0"/>
+              <a:buNone/>
+              <a:defRPr sz="1600" kern="1200">
+                <a:solidFill>
+                  <a:schemeClr val="tx1"/>
+                </a:solidFill>
+                <a:latin typeface="+mn-lt"/>
+                <a:ea typeface="+mn-ea"/>
+                <a:cs typeface="+mn-cs"/>
+              </a:defRPr>
+            </a:lvl4pPr>
+            <a:lvl5pPr marL="1828800" indent="0" algn="ctr" defTabSz="914400" rtl="0" eaLnBrk="1" latinLnBrk="0" hangingPunct="1">
+              <a:lnSpc>
+                <a:spcPct val="130000"/>
+              </a:lnSpc>
+              <a:spcBef>
+                <a:spcPts val="500"/>
+              </a:spcBef>
+              <a:buFont typeface="Arial" panose="020B0604020202020204" pitchFamily="34" charset="0"/>
+              <a:buNone/>
+              <a:defRPr sz="1600" kern="1200">
+                <a:solidFill>
+                  <a:schemeClr val="tx1"/>
+                </a:solidFill>
+                <a:latin typeface="+mn-lt"/>
+                <a:ea typeface="+mn-ea"/>
+                <a:cs typeface="+mn-cs"/>
+              </a:defRPr>
+            </a:lvl5pPr>
+            <a:lvl6pPr marL="2286000" indent="0" algn="ctr" defTabSz="914400" rtl="0" eaLnBrk="1" latinLnBrk="0" hangingPunct="1">
+              <a:lnSpc>
+                <a:spcPct val="90000"/>
+              </a:lnSpc>
+              <a:spcBef>
+                <a:spcPts val="500"/>
+              </a:spcBef>
+              <a:buFont typeface="Arial" panose="020B0604020202020204" pitchFamily="34" charset="0"/>
+              <a:buNone/>
+              <a:defRPr sz="1600" kern="1200">
+                <a:solidFill>
+                  <a:schemeClr val="tx1"/>
+                </a:solidFill>
+                <a:latin typeface="+mn-lt"/>
+                <a:ea typeface="+mn-ea"/>
+                <a:cs typeface="+mn-cs"/>
+              </a:defRPr>
+            </a:lvl6pPr>
+            <a:lvl7pPr marL="2743200" indent="0" algn="ctr" defTabSz="914400" rtl="0" eaLnBrk="1" latinLnBrk="0" hangingPunct="1">
+              <a:lnSpc>
+                <a:spcPct val="90000"/>
+              </a:lnSpc>
+              <a:spcBef>
+                <a:spcPts val="500"/>
+              </a:spcBef>
+              <a:buFont typeface="Arial" panose="020B0604020202020204" pitchFamily="34" charset="0"/>
+              <a:buNone/>
+              <a:defRPr sz="1600" kern="1200">
+                <a:solidFill>
+                  <a:schemeClr val="tx1"/>
+                </a:solidFill>
+                <a:latin typeface="+mn-lt"/>
+                <a:ea typeface="+mn-ea"/>
+                <a:cs typeface="+mn-cs"/>
+              </a:defRPr>
+            </a:lvl7pPr>
+            <a:lvl8pPr marL="3200400" indent="0" algn="ctr" defTabSz="914400" rtl="0" eaLnBrk="1" latinLnBrk="0" hangingPunct="1">
+              <a:lnSpc>
+                <a:spcPct val="90000"/>
+              </a:lnSpc>
+              <a:spcBef>
+                <a:spcPts val="500"/>
+              </a:spcBef>
+              <a:buFont typeface="Arial" panose="020B0604020202020204" pitchFamily="34" charset="0"/>
+              <a:buNone/>
+              <a:defRPr sz="1600" kern="1200">
+                <a:solidFill>
+                  <a:schemeClr val="tx1"/>
+                </a:solidFill>
+                <a:latin typeface="+mn-lt"/>
+                <a:ea typeface="+mn-ea"/>
+                <a:cs typeface="+mn-cs"/>
+              </a:defRPr>
+            </a:lvl8pPr>
+            <a:lvl9pPr marL="3657600" indent="0" algn="ctr" defTabSz="914400" rtl="0" eaLnBrk="1" latinLnBrk="0" hangingPunct="1">
+              <a:lnSpc>
+                <a:spcPct val="90000"/>
+              </a:lnSpc>
+              <a:spcBef>
+                <a:spcPts val="500"/>
+              </a:spcBef>
+              <a:buFont typeface="Arial" panose="020B0604020202020204" pitchFamily="34" charset="0"/>
+              <a:buNone/>
+              <a:defRPr sz="1600" kern="1200">
+                <a:solidFill>
+                  <a:schemeClr val="tx1"/>
+                </a:solidFill>
+                <a:latin typeface="+mn-lt"/>
+                <a:ea typeface="+mn-ea"/>
+                <a:cs typeface="+mn-cs"/>
+              </a:defRPr>
+            </a:lvl9pPr>
+          </a:lstStyle>
+          <a:p>
+            <a:pPr marL="342900" indent="-342900" algn="l">
+              <a:buFont typeface="Arial" panose="020B0604020202020204" pitchFamily="34" charset="0"/>
+              <a:buChar char="•"/>
+            </a:pPr>
+            <a:endParaRPr lang="en-US" b="0" i="0" dirty="0">
+              <a:solidFill>
+                <a:srgbClr val="1F2328"/>
+              </a:solidFill>
+              <a:effectLst/>
+              <a:latin typeface="-apple-system"/>
+            </a:endParaRPr>
+          </a:p>
+        </p:txBody>
+      </p:sp>
+      <p:pic>
+        <p:nvPicPr>
+          <p:cNvPr id="14" name="Picture 13">
+            <a:extLst>
+              <a:ext uri="{FF2B5EF4-FFF2-40B4-BE49-F238E27FC236}">
+                <a16:creationId xmlns:a16="http://schemas.microsoft.com/office/drawing/2014/main" id="{54901106-80E4-2599-2084-DB799E3268CA}"/>
+              </a:ext>
+            </a:extLst>
+          </p:cNvPr>
+          <p:cNvPicPr>
+            <a:picLocks noChangeAspect="1"/>
+          </p:cNvPicPr>
+          <p:nvPr/>
+        </p:nvPicPr>
+        <p:blipFill>
+          <a:blip r:embed="rId3"/>
+          <a:srcRect/>
+          <a:stretch/>
+        </p:blipFill>
+        <p:spPr>
+          <a:xfrm>
+            <a:off x="503162" y="2358514"/>
+            <a:ext cx="5280870" cy="3457600"/>
+          </a:xfrm>
+          <a:prstGeom prst="rect">
+            <a:avLst/>
+          </a:prstGeom>
+        </p:spPr>
+      </p:pic>
+      <p:pic>
+        <p:nvPicPr>
+          <p:cNvPr id="15" name="Picture 14">
+            <a:extLst>
+              <a:ext uri="{FF2B5EF4-FFF2-40B4-BE49-F238E27FC236}">
+                <a16:creationId xmlns:a16="http://schemas.microsoft.com/office/drawing/2014/main" id="{E2A53D9B-FBE0-88A8-6FB6-8034F46D6A3A}"/>
+              </a:ext>
+            </a:extLst>
+          </p:cNvPr>
+          <p:cNvPicPr>
+            <a:picLocks noChangeAspect="1"/>
+          </p:cNvPicPr>
+          <p:nvPr/>
+        </p:nvPicPr>
+        <p:blipFill>
+          <a:blip r:embed="rId4"/>
+          <a:srcRect/>
+          <a:stretch/>
+        </p:blipFill>
+        <p:spPr>
+          <a:xfrm>
+            <a:off x="6354495" y="2391303"/>
+            <a:ext cx="5263993" cy="3424879"/>
+          </a:xfrm>
+          <a:prstGeom prst="rect">
+            <a:avLst/>
+          </a:prstGeom>
+        </p:spPr>
+      </p:pic>
+      <p:sp>
+        <p:nvSpPr>
+          <p:cNvPr id="17" name="TextBox 16">
+            <a:extLst>
+              <a:ext uri="{FF2B5EF4-FFF2-40B4-BE49-F238E27FC236}">
+                <a16:creationId xmlns:a16="http://schemas.microsoft.com/office/drawing/2014/main" id="{0D8D0D9F-121F-D474-145B-42086A83B9DF}"/>
+              </a:ext>
+            </a:extLst>
+          </p:cNvPr>
+          <p:cNvSpPr txBox="1"/>
+          <p:nvPr/>
+        </p:nvSpPr>
+        <p:spPr>
+          <a:xfrm>
+            <a:off x="1984031" y="1594910"/>
+            <a:ext cx="2319131" cy="461665"/>
+          </a:xfrm>
+          <a:prstGeom prst="rect">
+            <a:avLst/>
+          </a:prstGeom>
+          <a:noFill/>
+        </p:spPr>
+        <p:txBody>
+          <a:bodyPr wrap="square">
+            <a:spAutoFit/>
+          </a:bodyPr>
+          <a:lstStyle/>
+          <a:p>
+            <a:pPr algn="ctr"/>
+            <a:r>
+              <a:rPr lang="en-US" sz="2400" b="0" i="0" dirty="0">
+                <a:solidFill>
+                  <a:srgbClr val="1F2328"/>
+                </a:solidFill>
+                <a:effectLst/>
+                <a:latin typeface="-apple-system"/>
+              </a:rPr>
+              <a:t>All wind speeds</a:t>
+            </a:r>
+          </a:p>
+        </p:txBody>
+      </p:sp>
+      <p:sp>
+        <p:nvSpPr>
+          <p:cNvPr id="18" name="TextBox 17">
+            <a:extLst>
+              <a:ext uri="{FF2B5EF4-FFF2-40B4-BE49-F238E27FC236}">
+                <a16:creationId xmlns:a16="http://schemas.microsoft.com/office/drawing/2014/main" id="{2EF3FD0D-BEB4-290F-2CA0-899534A0D412}"/>
+              </a:ext>
+            </a:extLst>
+          </p:cNvPr>
+          <p:cNvSpPr txBox="1"/>
+          <p:nvPr/>
+        </p:nvSpPr>
+        <p:spPr>
+          <a:xfrm>
+            <a:off x="6262480" y="1561387"/>
+            <a:ext cx="5448024" cy="461665"/>
+          </a:xfrm>
+          <a:prstGeom prst="rect">
+            <a:avLst/>
+          </a:prstGeom>
+          <a:noFill/>
+        </p:spPr>
+        <p:txBody>
+          <a:bodyPr wrap="square">
+            <a:spAutoFit/>
+          </a:bodyPr>
+          <a:lstStyle/>
+          <a:p>
+            <a:pPr algn="ctr"/>
+            <a:r>
+              <a:rPr lang="en-US" sz="2400" b="0" i="0" dirty="0">
+                <a:solidFill>
+                  <a:srgbClr val="1F2328"/>
+                </a:solidFill>
+                <a:effectLst/>
+                <a:latin typeface="-apple-system"/>
+              </a:rPr>
+              <a:t>Wind speed &gt; 1m/s (2.2 mph)</a:t>
+            </a:r>
+          </a:p>
+        </p:txBody>
+      </p:sp>
+    </p:spTree>
+    <p:extLst>
+      <p:ext uri="{BB962C8B-B14F-4D97-AF65-F5344CB8AC3E}">
+        <p14:creationId xmlns:p14="http://schemas.microsoft.com/office/powerpoint/2010/main" val="1836959167"/>
+      </p:ext>
+    </p:extLst>
+  </p:cSld>
+  <p:clrMapOvr>
+    <a:masterClrMapping/>
+  </p:clrMapOvr>
+</p:sld>
+</file>
+
+<file path=ppt/slides/slide15.xml><?xml version="1.0" encoding="utf-8"?>
+<p:sld xmlns:a="http://schemas.openxmlformats.org/drawingml/2006/main" xmlns:r="http://schemas.openxmlformats.org/officeDocument/2006/relationships" xmlns:p="http://schemas.openxmlformats.org/presentationml/2006/main">
+  <p:cSld>
+    <p:spTree>
+      <p:nvGrpSpPr>
+        <p:cNvPr id="1" name=""/>
+        <p:cNvGrpSpPr/>
+        <p:nvPr/>
+      </p:nvGrpSpPr>
+      <p:grpSpPr>
+        <a:xfrm>
+          <a:off x="0" y="0"/>
+          <a:ext cx="0" cy="0"/>
+          <a:chOff x="0" y="0"/>
+          <a:chExt cx="0" cy="0"/>
+        </a:xfrm>
+      </p:grpSpPr>
+      <p:pic>
+        <p:nvPicPr>
+          <p:cNvPr id="4" name="Picture 3" descr="Triangular abstract background">
+            <a:extLst>
+              <a:ext uri="{FF2B5EF4-FFF2-40B4-BE49-F238E27FC236}">
+                <a16:creationId xmlns:a16="http://schemas.microsoft.com/office/drawing/2014/main" id="{1AF044F3-45C7-9FFE-4A4F-ECCA4FB99F53}"/>
+              </a:ext>
+            </a:extLst>
+          </p:cNvPr>
+          <p:cNvPicPr>
+            <a:picLocks noChangeAspect="1"/>
+          </p:cNvPicPr>
+          <p:nvPr/>
+        </p:nvPicPr>
+        <p:blipFill>
+          <a:blip r:embed="rId2">
+            <a:alphaModFix amt="40000"/>
+          </a:blip>
+          <a:srcRect t="15709" r="-1" b="-1"/>
+          <a:stretch/>
+        </p:blipFill>
+        <p:spPr>
+          <a:xfrm>
+            <a:off x="20" y="10"/>
+            <a:ext cx="12188932" cy="6857990"/>
+          </a:xfrm>
+          <a:prstGeom prst="rect">
+            <a:avLst/>
+          </a:prstGeom>
+        </p:spPr>
+      </p:pic>
+      <p:sp>
+        <p:nvSpPr>
+          <p:cNvPr id="3" name="Subtitle 2">
+            <a:extLst>
+              <a:ext uri="{FF2B5EF4-FFF2-40B4-BE49-F238E27FC236}">
+                <a16:creationId xmlns:a16="http://schemas.microsoft.com/office/drawing/2014/main" id="{FEBEFC93-373B-12B3-6E89-899CD71F9FFC}"/>
+              </a:ext>
+            </a:extLst>
+          </p:cNvPr>
+          <p:cNvSpPr>
+            <a:spLocks noGrp="1"/>
+          </p:cNvSpPr>
+          <p:nvPr>
+            <p:ph type="subTitle" idx="1"/>
+          </p:nvPr>
+        </p:nvSpPr>
+        <p:spPr>
+          <a:xfrm>
+            <a:off x="841248" y="663960"/>
+            <a:ext cx="9456049" cy="1027113"/>
+          </a:xfrm>
+        </p:spPr>
+        <p:txBody>
+          <a:bodyPr anchor="t">
+            <a:normAutofit/>
+          </a:bodyPr>
+          <a:lstStyle/>
+          <a:p>
+            <a:pPr algn="l"/>
+            <a:r>
+              <a:rPr lang="en-US" sz="3000" dirty="0"/>
+              <a:t>Analysis : Conclusions</a:t>
+            </a:r>
+          </a:p>
+        </p:txBody>
+      </p:sp>
+      <p:sp>
+        <p:nvSpPr>
+          <p:cNvPr id="8" name="Subtitle 2">
+            <a:extLst>
+              <a:ext uri="{FF2B5EF4-FFF2-40B4-BE49-F238E27FC236}">
+                <a16:creationId xmlns:a16="http://schemas.microsoft.com/office/drawing/2014/main" id="{D13C72CA-A6B8-B249-A895-C5CA493A8D90}"/>
+              </a:ext>
+            </a:extLst>
+          </p:cNvPr>
+          <p:cNvSpPr txBox="1">
+            <a:spLocks/>
+          </p:cNvSpPr>
+          <p:nvPr/>
+        </p:nvSpPr>
+        <p:spPr>
+          <a:xfrm>
+            <a:off x="841248" y="1496585"/>
+            <a:ext cx="9456049" cy="4697455"/>
+          </a:xfrm>
+          <a:prstGeom prst="rect">
+            <a:avLst/>
+          </a:prstGeom>
+        </p:spPr>
+        <p:txBody>
+          <a:bodyPr vert="horz" lIns="91440" tIns="45720" rIns="91440" bIns="45720" rtlCol="0" anchor="t">
+            <a:normAutofit/>
+          </a:bodyPr>
+          <a:lstStyle>
+            <a:lvl1pPr marL="0" indent="0" algn="l" defTabSz="914400" rtl="0" eaLnBrk="1" latinLnBrk="0" hangingPunct="1">
+              <a:lnSpc>
+                <a:spcPct val="130000"/>
+              </a:lnSpc>
+              <a:spcBef>
+                <a:spcPts val="1000"/>
+              </a:spcBef>
+              <a:buFont typeface="Arial" panose="020B0604020202020204" pitchFamily="34" charset="0"/>
+              <a:buNone/>
+              <a:defRPr sz="2000" kern="1200">
+                <a:solidFill>
+                  <a:schemeClr val="tx1"/>
+                </a:solidFill>
+                <a:latin typeface="+mn-lt"/>
+                <a:ea typeface="+mn-ea"/>
+                <a:cs typeface="+mn-cs"/>
+              </a:defRPr>
+            </a:lvl1pPr>
+            <a:lvl2pPr marL="457200" indent="0" algn="ctr" defTabSz="914400" rtl="0" eaLnBrk="1" latinLnBrk="0" hangingPunct="1">
+              <a:lnSpc>
+                <a:spcPct val="130000"/>
+              </a:lnSpc>
+              <a:spcBef>
+                <a:spcPts val="500"/>
+              </a:spcBef>
+              <a:buFont typeface="Arial" panose="020B0604020202020204" pitchFamily="34" charset="0"/>
+              <a:buNone/>
+              <a:defRPr sz="2000" kern="1200">
+                <a:solidFill>
+                  <a:schemeClr val="tx1"/>
+                </a:solidFill>
+                <a:latin typeface="+mn-lt"/>
+                <a:ea typeface="+mn-ea"/>
+                <a:cs typeface="+mn-cs"/>
+              </a:defRPr>
+            </a:lvl2pPr>
+            <a:lvl3pPr marL="914400" indent="0" algn="ctr" defTabSz="914400" rtl="0" eaLnBrk="1" latinLnBrk="0" hangingPunct="1">
+              <a:lnSpc>
+                <a:spcPct val="130000"/>
+              </a:lnSpc>
+              <a:spcBef>
+                <a:spcPts val="500"/>
+              </a:spcBef>
+              <a:buFont typeface="Arial" panose="020B0604020202020204" pitchFamily="34" charset="0"/>
+              <a:buNone/>
+              <a:defRPr sz="1800" kern="1200">
+                <a:solidFill>
+                  <a:schemeClr val="tx1"/>
+                </a:solidFill>
+                <a:latin typeface="+mn-lt"/>
+                <a:ea typeface="+mn-ea"/>
+                <a:cs typeface="+mn-cs"/>
+              </a:defRPr>
+            </a:lvl3pPr>
+            <a:lvl4pPr marL="1371600" indent="0" algn="ctr" defTabSz="914400" rtl="0" eaLnBrk="1" latinLnBrk="0" hangingPunct="1">
+              <a:lnSpc>
+                <a:spcPct val="130000"/>
+              </a:lnSpc>
+              <a:spcBef>
+                <a:spcPts val="500"/>
+              </a:spcBef>
+              <a:buFont typeface="Arial" panose="020B0604020202020204" pitchFamily="34" charset="0"/>
+              <a:buNone/>
+              <a:defRPr sz="1600" kern="1200">
+                <a:solidFill>
+                  <a:schemeClr val="tx1"/>
+                </a:solidFill>
+                <a:latin typeface="+mn-lt"/>
+                <a:ea typeface="+mn-ea"/>
+                <a:cs typeface="+mn-cs"/>
+              </a:defRPr>
+            </a:lvl4pPr>
+            <a:lvl5pPr marL="1828800" indent="0" algn="ctr" defTabSz="914400" rtl="0" eaLnBrk="1" latinLnBrk="0" hangingPunct="1">
+              <a:lnSpc>
+                <a:spcPct val="130000"/>
+              </a:lnSpc>
+              <a:spcBef>
+                <a:spcPts val="500"/>
+              </a:spcBef>
+              <a:buFont typeface="Arial" panose="020B0604020202020204" pitchFamily="34" charset="0"/>
+              <a:buNone/>
+              <a:defRPr sz="1600" kern="1200">
+                <a:solidFill>
+                  <a:schemeClr val="tx1"/>
+                </a:solidFill>
+                <a:latin typeface="+mn-lt"/>
+                <a:ea typeface="+mn-ea"/>
+                <a:cs typeface="+mn-cs"/>
+              </a:defRPr>
+            </a:lvl5pPr>
+            <a:lvl6pPr marL="2286000" indent="0" algn="ctr" defTabSz="914400" rtl="0" eaLnBrk="1" latinLnBrk="0" hangingPunct="1">
+              <a:lnSpc>
+                <a:spcPct val="90000"/>
+              </a:lnSpc>
+              <a:spcBef>
+                <a:spcPts val="500"/>
+              </a:spcBef>
+              <a:buFont typeface="Arial" panose="020B0604020202020204" pitchFamily="34" charset="0"/>
+              <a:buNone/>
+              <a:defRPr sz="1600" kern="1200">
+                <a:solidFill>
+                  <a:schemeClr val="tx1"/>
+                </a:solidFill>
+                <a:latin typeface="+mn-lt"/>
+                <a:ea typeface="+mn-ea"/>
+                <a:cs typeface="+mn-cs"/>
+              </a:defRPr>
+            </a:lvl6pPr>
+            <a:lvl7pPr marL="2743200" indent="0" algn="ctr" defTabSz="914400" rtl="0" eaLnBrk="1" latinLnBrk="0" hangingPunct="1">
+              <a:lnSpc>
+                <a:spcPct val="90000"/>
+              </a:lnSpc>
+              <a:spcBef>
+                <a:spcPts val="500"/>
+              </a:spcBef>
+              <a:buFont typeface="Arial" panose="020B0604020202020204" pitchFamily="34" charset="0"/>
+              <a:buNone/>
+              <a:defRPr sz="1600" kern="1200">
+                <a:solidFill>
+                  <a:schemeClr val="tx1"/>
+                </a:solidFill>
+                <a:latin typeface="+mn-lt"/>
+                <a:ea typeface="+mn-ea"/>
+                <a:cs typeface="+mn-cs"/>
+              </a:defRPr>
+            </a:lvl7pPr>
+            <a:lvl8pPr marL="3200400" indent="0" algn="ctr" defTabSz="914400" rtl="0" eaLnBrk="1" latinLnBrk="0" hangingPunct="1">
+              <a:lnSpc>
+                <a:spcPct val="90000"/>
+              </a:lnSpc>
+              <a:spcBef>
+                <a:spcPts val="500"/>
+              </a:spcBef>
+              <a:buFont typeface="Arial" panose="020B0604020202020204" pitchFamily="34" charset="0"/>
+              <a:buNone/>
+              <a:defRPr sz="1600" kern="1200">
+                <a:solidFill>
+                  <a:schemeClr val="tx1"/>
+                </a:solidFill>
+                <a:latin typeface="+mn-lt"/>
+                <a:ea typeface="+mn-ea"/>
+                <a:cs typeface="+mn-cs"/>
+              </a:defRPr>
+            </a:lvl8pPr>
+            <a:lvl9pPr marL="3657600" indent="0" algn="ctr" defTabSz="914400" rtl="0" eaLnBrk="1" latinLnBrk="0" hangingPunct="1">
+              <a:lnSpc>
+                <a:spcPct val="90000"/>
+              </a:lnSpc>
+              <a:spcBef>
+                <a:spcPts val="500"/>
+              </a:spcBef>
+              <a:buFont typeface="Arial" panose="020B0604020202020204" pitchFamily="34" charset="0"/>
+              <a:buNone/>
+              <a:defRPr sz="1600" kern="1200">
+                <a:solidFill>
+                  <a:schemeClr val="tx1"/>
+                </a:solidFill>
+                <a:latin typeface="+mn-lt"/>
+                <a:ea typeface="+mn-ea"/>
+                <a:cs typeface="+mn-cs"/>
+              </a:defRPr>
+            </a:lvl9pPr>
+          </a:lstStyle>
+          <a:p>
+            <a:pPr marL="342900" indent="-342900" algn="l">
+              <a:buFont typeface="Arial" panose="020B0604020202020204" pitchFamily="34" charset="0"/>
+              <a:buChar char="•"/>
+            </a:pPr>
+            <a:endParaRPr lang="en-US" b="0" i="0" dirty="0">
+              <a:solidFill>
+                <a:srgbClr val="1F2328"/>
+              </a:solidFill>
+              <a:effectLst/>
+              <a:latin typeface="-apple-system"/>
+            </a:endParaRPr>
+          </a:p>
+        </p:txBody>
+      </p:sp>
+      <p:sp>
+        <p:nvSpPr>
+          <p:cNvPr id="2" name="Subtitle 2">
+            <a:extLst>
+              <a:ext uri="{FF2B5EF4-FFF2-40B4-BE49-F238E27FC236}">
+                <a16:creationId xmlns:a16="http://schemas.microsoft.com/office/drawing/2014/main" id="{64DCB5E7-30E4-5A5B-9165-289187946AB9}"/>
+              </a:ext>
+            </a:extLst>
+          </p:cNvPr>
+          <p:cNvSpPr txBox="1">
+            <a:spLocks/>
+          </p:cNvSpPr>
+          <p:nvPr/>
+        </p:nvSpPr>
+        <p:spPr>
+          <a:xfrm>
+            <a:off x="993648" y="1648985"/>
+            <a:ext cx="9456049" cy="4697455"/>
+          </a:xfrm>
+          <a:prstGeom prst="rect">
+            <a:avLst/>
+          </a:prstGeom>
+        </p:spPr>
+        <p:txBody>
+          <a:bodyPr vert="horz" lIns="91440" tIns="45720" rIns="91440" bIns="45720" rtlCol="0" anchor="t">
+            <a:normAutofit/>
+          </a:bodyPr>
+          <a:lstStyle>
+            <a:lvl1pPr marL="0" indent="0" algn="l" defTabSz="914400" rtl="0" eaLnBrk="1" latinLnBrk="0" hangingPunct="1">
+              <a:lnSpc>
+                <a:spcPct val="130000"/>
+              </a:lnSpc>
+              <a:spcBef>
+                <a:spcPts val="1000"/>
+              </a:spcBef>
+              <a:buFont typeface="Arial" panose="020B0604020202020204" pitchFamily="34" charset="0"/>
+              <a:buNone/>
+              <a:defRPr sz="2000" kern="1200">
+                <a:solidFill>
+                  <a:schemeClr val="tx1"/>
+                </a:solidFill>
+                <a:latin typeface="+mn-lt"/>
+                <a:ea typeface="+mn-ea"/>
+                <a:cs typeface="+mn-cs"/>
+              </a:defRPr>
+            </a:lvl1pPr>
+            <a:lvl2pPr marL="457200" indent="0" algn="ctr" defTabSz="914400" rtl="0" eaLnBrk="1" latinLnBrk="0" hangingPunct="1">
+              <a:lnSpc>
+                <a:spcPct val="130000"/>
+              </a:lnSpc>
+              <a:spcBef>
+                <a:spcPts val="500"/>
+              </a:spcBef>
+              <a:buFont typeface="Arial" panose="020B0604020202020204" pitchFamily="34" charset="0"/>
+              <a:buNone/>
+              <a:defRPr sz="2000" kern="1200">
+                <a:solidFill>
+                  <a:schemeClr val="tx1"/>
+                </a:solidFill>
+                <a:latin typeface="+mn-lt"/>
+                <a:ea typeface="+mn-ea"/>
+                <a:cs typeface="+mn-cs"/>
+              </a:defRPr>
+            </a:lvl2pPr>
+            <a:lvl3pPr marL="914400" indent="0" algn="ctr" defTabSz="914400" rtl="0" eaLnBrk="1" latinLnBrk="0" hangingPunct="1">
+              <a:lnSpc>
+                <a:spcPct val="130000"/>
+              </a:lnSpc>
+              <a:spcBef>
+                <a:spcPts val="500"/>
+              </a:spcBef>
+              <a:buFont typeface="Arial" panose="020B0604020202020204" pitchFamily="34" charset="0"/>
+              <a:buNone/>
+              <a:defRPr sz="1800" kern="1200">
+                <a:solidFill>
+                  <a:schemeClr val="tx1"/>
+                </a:solidFill>
+                <a:latin typeface="+mn-lt"/>
+                <a:ea typeface="+mn-ea"/>
+                <a:cs typeface="+mn-cs"/>
+              </a:defRPr>
+            </a:lvl3pPr>
+            <a:lvl4pPr marL="1371600" indent="0" algn="ctr" defTabSz="914400" rtl="0" eaLnBrk="1" latinLnBrk="0" hangingPunct="1">
+              <a:lnSpc>
+                <a:spcPct val="130000"/>
+              </a:lnSpc>
+              <a:spcBef>
+                <a:spcPts val="500"/>
+              </a:spcBef>
+              <a:buFont typeface="Arial" panose="020B0604020202020204" pitchFamily="34" charset="0"/>
+              <a:buNone/>
+              <a:defRPr sz="1600" kern="1200">
+                <a:solidFill>
+                  <a:schemeClr val="tx1"/>
+                </a:solidFill>
+                <a:latin typeface="+mn-lt"/>
+                <a:ea typeface="+mn-ea"/>
+                <a:cs typeface="+mn-cs"/>
+              </a:defRPr>
+            </a:lvl4pPr>
+            <a:lvl5pPr marL="1828800" indent="0" algn="ctr" defTabSz="914400" rtl="0" eaLnBrk="1" latinLnBrk="0" hangingPunct="1">
+              <a:lnSpc>
+                <a:spcPct val="130000"/>
+              </a:lnSpc>
+              <a:spcBef>
+                <a:spcPts val="500"/>
+              </a:spcBef>
+              <a:buFont typeface="Arial" panose="020B0604020202020204" pitchFamily="34" charset="0"/>
+              <a:buNone/>
+              <a:defRPr sz="1600" kern="1200">
+                <a:solidFill>
+                  <a:schemeClr val="tx1"/>
+                </a:solidFill>
+                <a:latin typeface="+mn-lt"/>
+                <a:ea typeface="+mn-ea"/>
+                <a:cs typeface="+mn-cs"/>
+              </a:defRPr>
+            </a:lvl5pPr>
+            <a:lvl6pPr marL="2286000" indent="0" algn="ctr" defTabSz="914400" rtl="0" eaLnBrk="1" latinLnBrk="0" hangingPunct="1">
+              <a:lnSpc>
+                <a:spcPct val="90000"/>
+              </a:lnSpc>
+              <a:spcBef>
+                <a:spcPts val="500"/>
+              </a:spcBef>
+              <a:buFont typeface="Arial" panose="020B0604020202020204" pitchFamily="34" charset="0"/>
+              <a:buNone/>
+              <a:defRPr sz="1600" kern="1200">
+                <a:solidFill>
+                  <a:schemeClr val="tx1"/>
+                </a:solidFill>
+                <a:latin typeface="+mn-lt"/>
+                <a:ea typeface="+mn-ea"/>
+                <a:cs typeface="+mn-cs"/>
+              </a:defRPr>
+            </a:lvl6pPr>
+            <a:lvl7pPr marL="2743200" indent="0" algn="ctr" defTabSz="914400" rtl="0" eaLnBrk="1" latinLnBrk="0" hangingPunct="1">
+              <a:lnSpc>
+                <a:spcPct val="90000"/>
+              </a:lnSpc>
+              <a:spcBef>
+                <a:spcPts val="500"/>
+              </a:spcBef>
+              <a:buFont typeface="Arial" panose="020B0604020202020204" pitchFamily="34" charset="0"/>
+              <a:buNone/>
+              <a:defRPr sz="1600" kern="1200">
+                <a:solidFill>
+                  <a:schemeClr val="tx1"/>
+                </a:solidFill>
+                <a:latin typeface="+mn-lt"/>
+                <a:ea typeface="+mn-ea"/>
+                <a:cs typeface="+mn-cs"/>
+              </a:defRPr>
+            </a:lvl7pPr>
+            <a:lvl8pPr marL="3200400" indent="0" algn="ctr" defTabSz="914400" rtl="0" eaLnBrk="1" latinLnBrk="0" hangingPunct="1">
+              <a:lnSpc>
+                <a:spcPct val="90000"/>
+              </a:lnSpc>
+              <a:spcBef>
+                <a:spcPts val="500"/>
+              </a:spcBef>
+              <a:buFont typeface="Arial" panose="020B0604020202020204" pitchFamily="34" charset="0"/>
+              <a:buNone/>
+              <a:defRPr sz="1600" kern="1200">
+                <a:solidFill>
+                  <a:schemeClr val="tx1"/>
+                </a:solidFill>
+                <a:latin typeface="+mn-lt"/>
+                <a:ea typeface="+mn-ea"/>
+                <a:cs typeface="+mn-cs"/>
+              </a:defRPr>
+            </a:lvl8pPr>
+            <a:lvl9pPr marL="3657600" indent="0" algn="ctr" defTabSz="914400" rtl="0" eaLnBrk="1" latinLnBrk="0" hangingPunct="1">
+              <a:lnSpc>
+                <a:spcPct val="90000"/>
+              </a:lnSpc>
+              <a:spcBef>
+                <a:spcPts val="500"/>
+              </a:spcBef>
+              <a:buFont typeface="Arial" panose="020B0604020202020204" pitchFamily="34" charset="0"/>
+              <a:buNone/>
+              <a:defRPr sz="1600" kern="1200">
+                <a:solidFill>
+                  <a:schemeClr val="tx1"/>
+                </a:solidFill>
+                <a:latin typeface="+mn-lt"/>
+                <a:ea typeface="+mn-ea"/>
+                <a:cs typeface="+mn-cs"/>
+              </a:defRPr>
+            </a:lvl9pPr>
+          </a:lstStyle>
+          <a:p>
+            <a:pPr marL="342900" indent="-342900" algn="l">
+              <a:buFont typeface="Arial" panose="020B0604020202020204" pitchFamily="34" charset="0"/>
+              <a:buChar char="•"/>
+            </a:pPr>
+            <a:r>
+              <a:rPr lang="en-US" b="0" i="0" dirty="0">
+                <a:solidFill>
+                  <a:srgbClr val="1F2328"/>
+                </a:solidFill>
+                <a:effectLst/>
+                <a:latin typeface="-apple-system"/>
+              </a:rPr>
+              <a:t>The measurements of wind speed, wind direction, and temperature from the 2D and 3D anemometer show themselves to be very similar and with a strong linear relationship. </a:t>
+            </a:r>
+          </a:p>
+          <a:p>
+            <a:pPr marL="342900" indent="-342900" algn="l">
+              <a:buFont typeface="Arial" panose="020B0604020202020204" pitchFamily="34" charset="0"/>
+              <a:buChar char="•"/>
+            </a:pPr>
+            <a:r>
+              <a:rPr lang="en-US" b="0" i="0" dirty="0">
+                <a:solidFill>
+                  <a:srgbClr val="1F2328"/>
+                </a:solidFill>
+                <a:effectLst/>
+                <a:latin typeface="-apple-system"/>
+              </a:rPr>
+              <a:t>There is some scatter in the data, but when averaged over time, the values are within a reasonable error tolerance. </a:t>
+            </a:r>
+          </a:p>
+          <a:p>
+            <a:pPr marL="342900" indent="-342900" algn="l">
+              <a:buFont typeface="Arial" panose="020B0604020202020204" pitchFamily="34" charset="0"/>
+              <a:buChar char="•"/>
+            </a:pPr>
+            <a:r>
+              <a:rPr lang="en-US" b="0" i="0" dirty="0">
+                <a:solidFill>
+                  <a:srgbClr val="1F2328"/>
+                </a:solidFill>
+                <a:effectLst/>
+                <a:latin typeface="-apple-system"/>
+              </a:rPr>
+              <a:t>Removing data with low wind speeds (less than 1m/s, the typical threshold for reliable measurements anyway) reduces the scatter. </a:t>
+            </a:r>
+          </a:p>
+          <a:p>
+            <a:pPr marL="342900" indent="-342900" algn="l">
+              <a:buFont typeface="Arial" panose="020B0604020202020204" pitchFamily="34" charset="0"/>
+              <a:buChar char="•"/>
+            </a:pPr>
+            <a:r>
+              <a:rPr lang="en-US" b="0" i="0" dirty="0">
+                <a:solidFill>
+                  <a:srgbClr val="1F2328"/>
+                </a:solidFill>
+                <a:effectLst/>
+                <a:latin typeface="-apple-system"/>
+              </a:rPr>
+              <a:t>This all suggests that the 2D anemometer data can be used instead of the 3D anemometer data if needed.</a:t>
+            </a:r>
+          </a:p>
+        </p:txBody>
+      </p:sp>
+    </p:spTree>
+    <p:extLst>
+      <p:ext uri="{BB962C8B-B14F-4D97-AF65-F5344CB8AC3E}">
+        <p14:creationId xmlns:p14="http://schemas.microsoft.com/office/powerpoint/2010/main" val="4094513359"/>
+      </p:ext>
+    </p:extLst>
+  </p:cSld>
+  <p:clrMapOvr>
+    <a:masterClrMapping/>
+  </p:clrMapOvr>
+</p:sld>
+</file>
+
+<file path=ppt/slides/slide16.xml><?xml version="1.0" encoding="utf-8"?>
+<p:sld xmlns:a="http://schemas.openxmlformats.org/drawingml/2006/main" xmlns:r="http://schemas.openxmlformats.org/officeDocument/2006/relationships" xmlns:p="http://schemas.openxmlformats.org/presentationml/2006/main">
+  <p:cSld>
+    <p:spTree>
+      <p:nvGrpSpPr>
+        <p:cNvPr id="1" name=""/>
+        <p:cNvGrpSpPr/>
+        <p:nvPr/>
+      </p:nvGrpSpPr>
+      <p:grpSpPr>
+        <a:xfrm>
+          <a:off x="0" y="0"/>
+          <a:ext cx="0" cy="0"/>
+          <a:chOff x="0" y="0"/>
+          <a:chExt cx="0" cy="0"/>
+        </a:xfrm>
+      </p:grpSpPr>
+      <p:pic>
+        <p:nvPicPr>
+          <p:cNvPr id="4" name="Picture 3" descr="Triangular abstract background">
+            <a:extLst>
+              <a:ext uri="{FF2B5EF4-FFF2-40B4-BE49-F238E27FC236}">
+                <a16:creationId xmlns:a16="http://schemas.microsoft.com/office/drawing/2014/main" id="{1AF044F3-45C7-9FFE-4A4F-ECCA4FB99F53}"/>
+              </a:ext>
+            </a:extLst>
+          </p:cNvPr>
+          <p:cNvPicPr>
+            <a:picLocks noChangeAspect="1"/>
+          </p:cNvPicPr>
+          <p:nvPr/>
+        </p:nvPicPr>
+        <p:blipFill>
+          <a:blip r:embed="rId2">
+            <a:alphaModFix amt="40000"/>
+          </a:blip>
+          <a:srcRect t="15709" r="-1" b="-1"/>
+          <a:stretch/>
+        </p:blipFill>
+        <p:spPr>
+          <a:xfrm>
+            <a:off x="20" y="10"/>
+            <a:ext cx="12188932" cy="6857990"/>
+          </a:xfrm>
+          <a:prstGeom prst="rect">
+            <a:avLst/>
+          </a:prstGeom>
+        </p:spPr>
+      </p:pic>
+      <p:sp>
+        <p:nvSpPr>
+          <p:cNvPr id="3" name="Subtitle 2">
+            <a:extLst>
+              <a:ext uri="{FF2B5EF4-FFF2-40B4-BE49-F238E27FC236}">
+                <a16:creationId xmlns:a16="http://schemas.microsoft.com/office/drawing/2014/main" id="{FEBEFC93-373B-12B3-6E89-899CD71F9FFC}"/>
+              </a:ext>
+            </a:extLst>
+          </p:cNvPr>
+          <p:cNvSpPr>
+            <a:spLocks noGrp="1"/>
+          </p:cNvSpPr>
+          <p:nvPr>
+            <p:ph type="subTitle" idx="1"/>
+          </p:nvPr>
+        </p:nvSpPr>
+        <p:spPr>
+          <a:xfrm>
+            <a:off x="841248" y="663960"/>
+            <a:ext cx="9456049" cy="1027113"/>
+          </a:xfrm>
+        </p:spPr>
+        <p:txBody>
+          <a:bodyPr anchor="t">
+            <a:normAutofit/>
+          </a:bodyPr>
+          <a:lstStyle/>
+          <a:p>
+            <a:pPr algn="l"/>
+            <a:r>
+              <a:rPr lang="en-US" sz="3000" dirty="0"/>
+              <a:t>Assumptions Made in Study</a:t>
+            </a:r>
+          </a:p>
+        </p:txBody>
+      </p:sp>
+      <p:sp>
+        <p:nvSpPr>
+          <p:cNvPr id="8" name="Subtitle 2">
+            <a:extLst>
+              <a:ext uri="{FF2B5EF4-FFF2-40B4-BE49-F238E27FC236}">
+                <a16:creationId xmlns:a16="http://schemas.microsoft.com/office/drawing/2014/main" id="{D13C72CA-A6B8-B249-A895-C5CA493A8D90}"/>
+              </a:ext>
+            </a:extLst>
+          </p:cNvPr>
+          <p:cNvSpPr txBox="1">
+            <a:spLocks/>
+          </p:cNvSpPr>
+          <p:nvPr/>
+        </p:nvSpPr>
+        <p:spPr>
+          <a:xfrm>
+            <a:off x="841248" y="1496585"/>
+            <a:ext cx="9456049" cy="4697455"/>
+          </a:xfrm>
+          <a:prstGeom prst="rect">
+            <a:avLst/>
+          </a:prstGeom>
+        </p:spPr>
+        <p:txBody>
+          <a:bodyPr vert="horz" lIns="91440" tIns="45720" rIns="91440" bIns="45720" rtlCol="0" anchor="t">
+            <a:normAutofit/>
+          </a:bodyPr>
+          <a:lstStyle>
+            <a:lvl1pPr marL="0" indent="0" algn="l" defTabSz="914400" rtl="0" eaLnBrk="1" latinLnBrk="0" hangingPunct="1">
+              <a:lnSpc>
+                <a:spcPct val="130000"/>
+              </a:lnSpc>
+              <a:spcBef>
+                <a:spcPts val="1000"/>
+              </a:spcBef>
+              <a:buFont typeface="Arial" panose="020B0604020202020204" pitchFamily="34" charset="0"/>
+              <a:buNone/>
+              <a:defRPr sz="2000" kern="1200">
+                <a:solidFill>
+                  <a:schemeClr val="tx1"/>
+                </a:solidFill>
+                <a:latin typeface="+mn-lt"/>
+                <a:ea typeface="+mn-ea"/>
+                <a:cs typeface="+mn-cs"/>
+              </a:defRPr>
+            </a:lvl1pPr>
+            <a:lvl2pPr marL="457200" indent="0" algn="ctr" defTabSz="914400" rtl="0" eaLnBrk="1" latinLnBrk="0" hangingPunct="1">
+              <a:lnSpc>
+                <a:spcPct val="130000"/>
+              </a:lnSpc>
+              <a:spcBef>
+                <a:spcPts val="500"/>
+              </a:spcBef>
+              <a:buFont typeface="Arial" panose="020B0604020202020204" pitchFamily="34" charset="0"/>
+              <a:buNone/>
+              <a:defRPr sz="2000" kern="1200">
+                <a:solidFill>
+                  <a:schemeClr val="tx1"/>
+                </a:solidFill>
+                <a:latin typeface="+mn-lt"/>
+                <a:ea typeface="+mn-ea"/>
+                <a:cs typeface="+mn-cs"/>
+              </a:defRPr>
+            </a:lvl2pPr>
+            <a:lvl3pPr marL="914400" indent="0" algn="ctr" defTabSz="914400" rtl="0" eaLnBrk="1" latinLnBrk="0" hangingPunct="1">
+              <a:lnSpc>
+                <a:spcPct val="130000"/>
+              </a:lnSpc>
+              <a:spcBef>
+                <a:spcPts val="500"/>
+              </a:spcBef>
+              <a:buFont typeface="Arial" panose="020B0604020202020204" pitchFamily="34" charset="0"/>
+              <a:buNone/>
+              <a:defRPr sz="1800" kern="1200">
+                <a:solidFill>
+                  <a:schemeClr val="tx1"/>
+                </a:solidFill>
+                <a:latin typeface="+mn-lt"/>
+                <a:ea typeface="+mn-ea"/>
+                <a:cs typeface="+mn-cs"/>
+              </a:defRPr>
+            </a:lvl3pPr>
+            <a:lvl4pPr marL="1371600" indent="0" algn="ctr" defTabSz="914400" rtl="0" eaLnBrk="1" latinLnBrk="0" hangingPunct="1">
+              <a:lnSpc>
+                <a:spcPct val="130000"/>
+              </a:lnSpc>
+              <a:spcBef>
+                <a:spcPts val="500"/>
+              </a:spcBef>
+              <a:buFont typeface="Arial" panose="020B0604020202020204" pitchFamily="34" charset="0"/>
+              <a:buNone/>
+              <a:defRPr sz="1600" kern="1200">
+                <a:solidFill>
+                  <a:schemeClr val="tx1"/>
+                </a:solidFill>
+                <a:latin typeface="+mn-lt"/>
+                <a:ea typeface="+mn-ea"/>
+                <a:cs typeface="+mn-cs"/>
+              </a:defRPr>
+            </a:lvl4pPr>
+            <a:lvl5pPr marL="1828800" indent="0" algn="ctr" defTabSz="914400" rtl="0" eaLnBrk="1" latinLnBrk="0" hangingPunct="1">
+              <a:lnSpc>
+                <a:spcPct val="130000"/>
+              </a:lnSpc>
+              <a:spcBef>
+                <a:spcPts val="500"/>
+              </a:spcBef>
+              <a:buFont typeface="Arial" panose="020B0604020202020204" pitchFamily="34" charset="0"/>
+              <a:buNone/>
+              <a:defRPr sz="1600" kern="1200">
+                <a:solidFill>
+                  <a:schemeClr val="tx1"/>
+                </a:solidFill>
+                <a:latin typeface="+mn-lt"/>
+                <a:ea typeface="+mn-ea"/>
+                <a:cs typeface="+mn-cs"/>
+              </a:defRPr>
+            </a:lvl5pPr>
+            <a:lvl6pPr marL="2286000" indent="0" algn="ctr" defTabSz="914400" rtl="0" eaLnBrk="1" latinLnBrk="0" hangingPunct="1">
+              <a:lnSpc>
+                <a:spcPct val="90000"/>
+              </a:lnSpc>
+              <a:spcBef>
+                <a:spcPts val="500"/>
+              </a:spcBef>
+              <a:buFont typeface="Arial" panose="020B0604020202020204" pitchFamily="34" charset="0"/>
+              <a:buNone/>
+              <a:defRPr sz="1600" kern="1200">
+                <a:solidFill>
+                  <a:schemeClr val="tx1"/>
+                </a:solidFill>
+                <a:latin typeface="+mn-lt"/>
+                <a:ea typeface="+mn-ea"/>
+                <a:cs typeface="+mn-cs"/>
+              </a:defRPr>
+            </a:lvl6pPr>
+            <a:lvl7pPr marL="2743200" indent="0" algn="ctr" defTabSz="914400" rtl="0" eaLnBrk="1" latinLnBrk="0" hangingPunct="1">
+              <a:lnSpc>
+                <a:spcPct val="90000"/>
+              </a:lnSpc>
+              <a:spcBef>
+                <a:spcPts val="500"/>
+              </a:spcBef>
+              <a:buFont typeface="Arial" panose="020B0604020202020204" pitchFamily="34" charset="0"/>
+              <a:buNone/>
+              <a:defRPr sz="1600" kern="1200">
+                <a:solidFill>
+                  <a:schemeClr val="tx1"/>
+                </a:solidFill>
+                <a:latin typeface="+mn-lt"/>
+                <a:ea typeface="+mn-ea"/>
+                <a:cs typeface="+mn-cs"/>
+              </a:defRPr>
+            </a:lvl7pPr>
+            <a:lvl8pPr marL="3200400" indent="0" algn="ctr" defTabSz="914400" rtl="0" eaLnBrk="1" latinLnBrk="0" hangingPunct="1">
+              <a:lnSpc>
+                <a:spcPct val="90000"/>
+              </a:lnSpc>
+              <a:spcBef>
+                <a:spcPts val="500"/>
+              </a:spcBef>
+              <a:buFont typeface="Arial" panose="020B0604020202020204" pitchFamily="34" charset="0"/>
+              <a:buNone/>
+              <a:defRPr sz="1600" kern="1200">
+                <a:solidFill>
+                  <a:schemeClr val="tx1"/>
+                </a:solidFill>
+                <a:latin typeface="+mn-lt"/>
+                <a:ea typeface="+mn-ea"/>
+                <a:cs typeface="+mn-cs"/>
+              </a:defRPr>
+            </a:lvl8pPr>
+            <a:lvl9pPr marL="3657600" indent="0" algn="ctr" defTabSz="914400" rtl="0" eaLnBrk="1" latinLnBrk="0" hangingPunct="1">
+              <a:lnSpc>
+                <a:spcPct val="90000"/>
+              </a:lnSpc>
+              <a:spcBef>
+                <a:spcPts val="500"/>
+              </a:spcBef>
+              <a:buFont typeface="Arial" panose="020B0604020202020204" pitchFamily="34" charset="0"/>
+              <a:buNone/>
+              <a:defRPr sz="1600" kern="1200">
+                <a:solidFill>
+                  <a:schemeClr val="tx1"/>
+                </a:solidFill>
+                <a:latin typeface="+mn-lt"/>
+                <a:ea typeface="+mn-ea"/>
+                <a:cs typeface="+mn-cs"/>
+              </a:defRPr>
+            </a:lvl9pPr>
+          </a:lstStyle>
+          <a:p>
+            <a:pPr marL="342900" indent="-342900" algn="l">
+              <a:buFont typeface="Arial" panose="020B0604020202020204" pitchFamily="34" charset="0"/>
+              <a:buChar char="•"/>
+            </a:pPr>
+            <a:endParaRPr lang="en-US" b="0" i="0" dirty="0">
+              <a:solidFill>
+                <a:srgbClr val="1F2328"/>
+              </a:solidFill>
+              <a:effectLst/>
+              <a:latin typeface="-apple-system"/>
+            </a:endParaRPr>
+          </a:p>
+        </p:txBody>
+      </p:sp>
+      <p:sp>
+        <p:nvSpPr>
+          <p:cNvPr id="2" name="Subtitle 2">
+            <a:extLst>
+              <a:ext uri="{FF2B5EF4-FFF2-40B4-BE49-F238E27FC236}">
+                <a16:creationId xmlns:a16="http://schemas.microsoft.com/office/drawing/2014/main" id="{68EE0CA3-45D9-4CE6-CB8D-FB2EF5DCF670}"/>
+              </a:ext>
+            </a:extLst>
+          </p:cNvPr>
+          <p:cNvSpPr txBox="1">
+            <a:spLocks/>
+          </p:cNvSpPr>
+          <p:nvPr/>
+        </p:nvSpPr>
+        <p:spPr>
+          <a:xfrm>
+            <a:off x="993648" y="1648985"/>
+            <a:ext cx="9456049" cy="4697455"/>
+          </a:xfrm>
+          <a:prstGeom prst="rect">
+            <a:avLst/>
+          </a:prstGeom>
+        </p:spPr>
+        <p:txBody>
+          <a:bodyPr vert="horz" lIns="91440" tIns="45720" rIns="91440" bIns="45720" rtlCol="0" anchor="t">
+            <a:normAutofit/>
+          </a:bodyPr>
+          <a:lstStyle>
+            <a:lvl1pPr marL="0" indent="0" algn="l" defTabSz="914400" rtl="0" eaLnBrk="1" latinLnBrk="0" hangingPunct="1">
+              <a:lnSpc>
+                <a:spcPct val="130000"/>
+              </a:lnSpc>
+              <a:spcBef>
+                <a:spcPts val="1000"/>
+              </a:spcBef>
+              <a:buFont typeface="Arial" panose="020B0604020202020204" pitchFamily="34" charset="0"/>
+              <a:buNone/>
+              <a:defRPr sz="2000" kern="1200">
+                <a:solidFill>
+                  <a:schemeClr val="tx1"/>
+                </a:solidFill>
+                <a:latin typeface="+mn-lt"/>
+                <a:ea typeface="+mn-ea"/>
+                <a:cs typeface="+mn-cs"/>
+              </a:defRPr>
+            </a:lvl1pPr>
+            <a:lvl2pPr marL="457200" indent="0" algn="ctr" defTabSz="914400" rtl="0" eaLnBrk="1" latinLnBrk="0" hangingPunct="1">
+              <a:lnSpc>
+                <a:spcPct val="130000"/>
+              </a:lnSpc>
+              <a:spcBef>
+                <a:spcPts val="500"/>
+              </a:spcBef>
+              <a:buFont typeface="Arial" panose="020B0604020202020204" pitchFamily="34" charset="0"/>
+              <a:buNone/>
+              <a:defRPr sz="2000" kern="1200">
+                <a:solidFill>
+                  <a:schemeClr val="tx1"/>
+                </a:solidFill>
+                <a:latin typeface="+mn-lt"/>
+                <a:ea typeface="+mn-ea"/>
+                <a:cs typeface="+mn-cs"/>
+              </a:defRPr>
+            </a:lvl2pPr>
+            <a:lvl3pPr marL="914400" indent="0" algn="ctr" defTabSz="914400" rtl="0" eaLnBrk="1" latinLnBrk="0" hangingPunct="1">
+              <a:lnSpc>
+                <a:spcPct val="130000"/>
+              </a:lnSpc>
+              <a:spcBef>
+                <a:spcPts val="500"/>
+              </a:spcBef>
+              <a:buFont typeface="Arial" panose="020B0604020202020204" pitchFamily="34" charset="0"/>
+              <a:buNone/>
+              <a:defRPr sz="1800" kern="1200">
+                <a:solidFill>
+                  <a:schemeClr val="tx1"/>
+                </a:solidFill>
+                <a:latin typeface="+mn-lt"/>
+                <a:ea typeface="+mn-ea"/>
+                <a:cs typeface="+mn-cs"/>
+              </a:defRPr>
+            </a:lvl3pPr>
+            <a:lvl4pPr marL="1371600" indent="0" algn="ctr" defTabSz="914400" rtl="0" eaLnBrk="1" latinLnBrk="0" hangingPunct="1">
+              <a:lnSpc>
+                <a:spcPct val="130000"/>
+              </a:lnSpc>
+              <a:spcBef>
+                <a:spcPts val="500"/>
+              </a:spcBef>
+              <a:buFont typeface="Arial" panose="020B0604020202020204" pitchFamily="34" charset="0"/>
+              <a:buNone/>
+              <a:defRPr sz="1600" kern="1200">
+                <a:solidFill>
+                  <a:schemeClr val="tx1"/>
+                </a:solidFill>
+                <a:latin typeface="+mn-lt"/>
+                <a:ea typeface="+mn-ea"/>
+                <a:cs typeface="+mn-cs"/>
+              </a:defRPr>
+            </a:lvl4pPr>
+            <a:lvl5pPr marL="1828800" indent="0" algn="ctr" defTabSz="914400" rtl="0" eaLnBrk="1" latinLnBrk="0" hangingPunct="1">
+              <a:lnSpc>
+                <a:spcPct val="130000"/>
+              </a:lnSpc>
+              <a:spcBef>
+                <a:spcPts val="500"/>
+              </a:spcBef>
+              <a:buFont typeface="Arial" panose="020B0604020202020204" pitchFamily="34" charset="0"/>
+              <a:buNone/>
+              <a:defRPr sz="1600" kern="1200">
+                <a:solidFill>
+                  <a:schemeClr val="tx1"/>
+                </a:solidFill>
+                <a:latin typeface="+mn-lt"/>
+                <a:ea typeface="+mn-ea"/>
+                <a:cs typeface="+mn-cs"/>
+              </a:defRPr>
+            </a:lvl5pPr>
+            <a:lvl6pPr marL="2286000" indent="0" algn="ctr" defTabSz="914400" rtl="0" eaLnBrk="1" latinLnBrk="0" hangingPunct="1">
+              <a:lnSpc>
+                <a:spcPct val="90000"/>
+              </a:lnSpc>
+              <a:spcBef>
+                <a:spcPts val="500"/>
+              </a:spcBef>
+              <a:buFont typeface="Arial" panose="020B0604020202020204" pitchFamily="34" charset="0"/>
+              <a:buNone/>
+              <a:defRPr sz="1600" kern="1200">
+                <a:solidFill>
+                  <a:schemeClr val="tx1"/>
+                </a:solidFill>
+                <a:latin typeface="+mn-lt"/>
+                <a:ea typeface="+mn-ea"/>
+                <a:cs typeface="+mn-cs"/>
+              </a:defRPr>
+            </a:lvl6pPr>
+            <a:lvl7pPr marL="2743200" indent="0" algn="ctr" defTabSz="914400" rtl="0" eaLnBrk="1" latinLnBrk="0" hangingPunct="1">
+              <a:lnSpc>
+                <a:spcPct val="90000"/>
+              </a:lnSpc>
+              <a:spcBef>
+                <a:spcPts val="500"/>
+              </a:spcBef>
+              <a:buFont typeface="Arial" panose="020B0604020202020204" pitchFamily="34" charset="0"/>
+              <a:buNone/>
+              <a:defRPr sz="1600" kern="1200">
+                <a:solidFill>
+                  <a:schemeClr val="tx1"/>
+                </a:solidFill>
+                <a:latin typeface="+mn-lt"/>
+                <a:ea typeface="+mn-ea"/>
+                <a:cs typeface="+mn-cs"/>
+              </a:defRPr>
+            </a:lvl7pPr>
+            <a:lvl8pPr marL="3200400" indent="0" algn="ctr" defTabSz="914400" rtl="0" eaLnBrk="1" latinLnBrk="0" hangingPunct="1">
+              <a:lnSpc>
+                <a:spcPct val="90000"/>
+              </a:lnSpc>
+              <a:spcBef>
+                <a:spcPts val="500"/>
+              </a:spcBef>
+              <a:buFont typeface="Arial" panose="020B0604020202020204" pitchFamily="34" charset="0"/>
+              <a:buNone/>
+              <a:defRPr sz="1600" kern="1200">
+                <a:solidFill>
+                  <a:schemeClr val="tx1"/>
+                </a:solidFill>
+                <a:latin typeface="+mn-lt"/>
+                <a:ea typeface="+mn-ea"/>
+                <a:cs typeface="+mn-cs"/>
+              </a:defRPr>
+            </a:lvl8pPr>
+            <a:lvl9pPr marL="3657600" indent="0" algn="ctr" defTabSz="914400" rtl="0" eaLnBrk="1" latinLnBrk="0" hangingPunct="1">
+              <a:lnSpc>
+                <a:spcPct val="90000"/>
+              </a:lnSpc>
+              <a:spcBef>
+                <a:spcPts val="500"/>
+              </a:spcBef>
+              <a:buFont typeface="Arial" panose="020B0604020202020204" pitchFamily="34" charset="0"/>
+              <a:buNone/>
+              <a:defRPr sz="1600" kern="1200">
+                <a:solidFill>
+                  <a:schemeClr val="tx1"/>
+                </a:solidFill>
+                <a:latin typeface="+mn-lt"/>
+                <a:ea typeface="+mn-ea"/>
+                <a:cs typeface="+mn-cs"/>
+              </a:defRPr>
+            </a:lvl9pPr>
+          </a:lstStyle>
+          <a:p>
+            <a:pPr marL="285750" indent="-285750" algn="l">
+              <a:buFont typeface="Arial" panose="020B0604020202020204" pitchFamily="34" charset="0"/>
+              <a:buChar char="•"/>
+            </a:pPr>
+            <a:r>
+              <a:rPr lang="en-US" b="0" i="0" dirty="0">
+                <a:solidFill>
+                  <a:srgbClr val="1F2328"/>
+                </a:solidFill>
+                <a:effectLst/>
+                <a:latin typeface="-apple-system"/>
+              </a:rPr>
+              <a:t>The anemometers are oriented correctly and were in normal operation during the timespan of the datasets.</a:t>
+            </a:r>
+          </a:p>
+          <a:p>
+            <a:pPr marL="285750" indent="-285750" algn="l">
+              <a:buFont typeface="Arial" panose="020B0604020202020204" pitchFamily="34" charset="0"/>
+              <a:buChar char="•"/>
+            </a:pPr>
+            <a:r>
+              <a:rPr lang="en-US" b="0" i="0" dirty="0">
+                <a:solidFill>
+                  <a:srgbClr val="1F2328"/>
+                </a:solidFill>
+                <a:effectLst/>
+                <a:latin typeface="-apple-system"/>
+              </a:rPr>
+              <a:t>The wind shear formula applies to correcting the wind speeds for height.</a:t>
+            </a:r>
+          </a:p>
+          <a:p>
+            <a:pPr marL="285750" indent="-285750" algn="l">
+              <a:buFont typeface="Arial" panose="020B0604020202020204" pitchFamily="34" charset="0"/>
+              <a:buChar char="•"/>
+            </a:pPr>
+            <a:r>
+              <a:rPr lang="en-US" b="0" i="0" dirty="0">
+                <a:solidFill>
+                  <a:srgbClr val="1F2328"/>
+                </a:solidFill>
+                <a:effectLst/>
+                <a:latin typeface="-apple-system"/>
+              </a:rPr>
+              <a:t>Both anemometers are placed in the open and surrounded by similar terrain and not located close to any heat sink or source.</a:t>
+            </a:r>
+          </a:p>
+          <a:p>
+            <a:pPr marL="285750" indent="-285750" algn="l">
+              <a:buFont typeface="Arial" panose="020B0604020202020204" pitchFamily="34" charset="0"/>
+              <a:buChar char="•"/>
+            </a:pPr>
+            <a:r>
+              <a:rPr lang="en-US" b="0" i="0" dirty="0">
+                <a:solidFill>
+                  <a:srgbClr val="1F2328"/>
+                </a:solidFill>
+                <a:effectLst/>
+                <a:latin typeface="-apple-system"/>
+              </a:rPr>
+              <a:t>The anemometer data was collected for 30 days during the winter in North Dakota, when weather can be quite harsh. This analysis assumes that the weather and conditions do not affect the results. It also assumes that this 30-day window is representative of general behavior at any time.</a:t>
+            </a:r>
+          </a:p>
+        </p:txBody>
+      </p:sp>
+    </p:spTree>
+    <p:extLst>
+      <p:ext uri="{BB962C8B-B14F-4D97-AF65-F5344CB8AC3E}">
+        <p14:creationId xmlns:p14="http://schemas.microsoft.com/office/powerpoint/2010/main" val="1525079416"/>
+      </p:ext>
+    </p:extLst>
+  </p:cSld>
+  <p:clrMapOvr>
+    <a:masterClrMapping/>
+  </p:clrMapOvr>
+</p:sld>
+</file>
+
+<file path=ppt/slides/slide17.xml><?xml version="1.0" encoding="utf-8"?>
+<p:sld xmlns:a="http://schemas.openxmlformats.org/drawingml/2006/main" xmlns:r="http://schemas.openxmlformats.org/officeDocument/2006/relationships" xmlns:p="http://schemas.openxmlformats.org/presentationml/2006/main">
+  <p:cSld>
+    <p:spTree>
+      <p:nvGrpSpPr>
+        <p:cNvPr id="1" name=""/>
+        <p:cNvGrpSpPr/>
+        <p:nvPr/>
+      </p:nvGrpSpPr>
+      <p:grpSpPr>
+        <a:xfrm>
+          <a:off x="0" y="0"/>
+          <a:ext cx="0" cy="0"/>
+          <a:chOff x="0" y="0"/>
+          <a:chExt cx="0" cy="0"/>
+        </a:xfrm>
+      </p:grpSpPr>
+      <p:pic>
+        <p:nvPicPr>
+          <p:cNvPr id="4" name="Picture 3" descr="Triangular abstract background">
+            <a:extLst>
+              <a:ext uri="{FF2B5EF4-FFF2-40B4-BE49-F238E27FC236}">
+                <a16:creationId xmlns:a16="http://schemas.microsoft.com/office/drawing/2014/main" id="{1AF044F3-45C7-9FFE-4A4F-ECCA4FB99F53}"/>
+              </a:ext>
+            </a:extLst>
+          </p:cNvPr>
+          <p:cNvPicPr>
+            <a:picLocks noChangeAspect="1"/>
+          </p:cNvPicPr>
+          <p:nvPr/>
+        </p:nvPicPr>
+        <p:blipFill>
+          <a:blip r:embed="rId2">
+            <a:alphaModFix amt="40000"/>
+          </a:blip>
+          <a:srcRect t="15709" r="-1" b="-1"/>
+          <a:stretch/>
+        </p:blipFill>
+        <p:spPr>
+          <a:xfrm>
+            <a:off x="20" y="10"/>
+            <a:ext cx="12188932" cy="6857990"/>
+          </a:xfrm>
+          <a:prstGeom prst="rect">
+            <a:avLst/>
+          </a:prstGeom>
+        </p:spPr>
+      </p:pic>
+      <p:sp>
+        <p:nvSpPr>
+          <p:cNvPr id="3" name="Subtitle 2">
+            <a:extLst>
+              <a:ext uri="{FF2B5EF4-FFF2-40B4-BE49-F238E27FC236}">
+                <a16:creationId xmlns:a16="http://schemas.microsoft.com/office/drawing/2014/main" id="{FEBEFC93-373B-12B3-6E89-899CD71F9FFC}"/>
+              </a:ext>
+            </a:extLst>
+          </p:cNvPr>
+          <p:cNvSpPr>
+            <a:spLocks noGrp="1"/>
+          </p:cNvSpPr>
+          <p:nvPr>
+            <p:ph type="subTitle" idx="1"/>
+          </p:nvPr>
+        </p:nvSpPr>
+        <p:spPr>
+          <a:xfrm>
+            <a:off x="841248" y="663960"/>
             <a:ext cx="9456049" cy="1027113"/>
           </a:xfrm>
         </p:spPr>
@@ -8348,7 +10187,7 @@
 </p:sld>
 </file>
 
-<file path=ppt/slides/slide14.xml><?xml version="1.0" encoding="utf-8"?>
+<file path=ppt/slides/slide18.xml><?xml version="1.0" encoding="utf-8"?>
 <p:sld xmlns:a="http://schemas.openxmlformats.org/drawingml/2006/main" xmlns:r="http://schemas.openxmlformats.org/officeDocument/2006/relationships" xmlns:p="http://schemas.openxmlformats.org/presentationml/2006/main">
   <p:cSld>
     <p:spTree>
@@ -11964,7 +13803,7 @@
         <p:spPr>
           <a:xfrm>
             <a:off x="841248" y="663960"/>
-            <a:ext cx="9456049" cy="1027113"/>
+            <a:ext cx="10370091" cy="1027113"/>
           </a:xfrm>
         </p:spPr>
         <p:txBody>
@@ -11976,7 +13815,7 @@
             <a:pPr algn="l"/>
             <a:r>
               <a:rPr lang="en-US" sz="3000" dirty="0"/>
-              <a:t>Analysis : Histograms of Differences (2D-3D)</a:t>
+              <a:t>Analysis : Histograms of Wind Speed Differences (2D-3D)</a:t>
             </a:r>
           </a:p>
         </p:txBody>
@@ -12189,10 +14028,10 @@
       </p:sp>
       <p:pic>
         <p:nvPicPr>
-          <p:cNvPr id="13" name="Picture 12">
+          <p:cNvPr id="14" name="Picture 13">
             <a:extLst>
               <a:ext uri="{FF2B5EF4-FFF2-40B4-BE49-F238E27FC236}">
-                <a16:creationId xmlns:a16="http://schemas.microsoft.com/office/drawing/2014/main" id="{32704A75-6878-7FA5-3248-577E11144777}"/>
+                <a16:creationId xmlns:a16="http://schemas.microsoft.com/office/drawing/2014/main" id="{54901106-80E4-2599-2084-DB799E3268CA}"/>
               </a:ext>
             </a:extLst>
           </p:cNvPr>
@@ -12209,8 +14048,8 @@
         </p:blipFill>
         <p:spPr>
           <a:xfrm>
-            <a:off x="275741" y="1496585"/>
-            <a:ext cx="4123981" cy="3477749"/>
+            <a:off x="503162" y="2154900"/>
+            <a:ext cx="5280870" cy="3864830"/>
           </a:xfrm>
           <a:prstGeom prst="rect">
             <a:avLst/>
@@ -12219,10 +14058,10 @@
       </p:pic>
       <p:pic>
         <p:nvPicPr>
-          <p:cNvPr id="12" name="Picture 11">
+          <p:cNvPr id="15" name="Picture 14">
             <a:extLst>
               <a:ext uri="{FF2B5EF4-FFF2-40B4-BE49-F238E27FC236}">
-                <a16:creationId xmlns:a16="http://schemas.microsoft.com/office/drawing/2014/main" id="{AFA95FDF-2B9D-51C6-6453-C9A639797E4C}"/>
+                <a16:creationId xmlns:a16="http://schemas.microsoft.com/office/drawing/2014/main" id="{E2A53D9B-FBE0-88A8-6FB6-8034F46D6A3A}"/>
               </a:ext>
             </a:extLst>
           </p:cNvPr>
@@ -12239,44 +14078,98 @@
         </p:blipFill>
         <p:spPr>
           <a:xfrm>
-            <a:off x="3995472" y="2882228"/>
-            <a:ext cx="4147059" cy="3643045"/>
+            <a:off x="6262480" y="2154900"/>
+            <a:ext cx="5448024" cy="3897685"/>
           </a:xfrm>
           <a:prstGeom prst="rect">
             <a:avLst/>
           </a:prstGeom>
         </p:spPr>
       </p:pic>
-      <p:pic>
-        <p:nvPicPr>
-          <p:cNvPr id="11" name="Picture 10">
+      <p:sp>
+        <p:nvSpPr>
+          <p:cNvPr id="17" name="TextBox 16">
             <a:extLst>
               <a:ext uri="{FF2B5EF4-FFF2-40B4-BE49-F238E27FC236}">
-                <a16:creationId xmlns:a16="http://schemas.microsoft.com/office/drawing/2014/main" id="{0C5A7B5B-A33A-2767-FF81-E33DDA10058D}"/>
+                <a16:creationId xmlns:a16="http://schemas.microsoft.com/office/drawing/2014/main" id="{0D8D0D9F-121F-D474-145B-42086A83B9DF}"/>
               </a:ext>
             </a:extLst>
           </p:cNvPr>
-          <p:cNvPicPr>
-            <a:picLocks noChangeAspect="1"/>
-          </p:cNvPicPr>
+          <p:cNvSpPr txBox="1"/>
           <p:nvPr/>
-        </p:nvPicPr>
-        <p:blipFill>
-          <a:blip r:embed="rId5"/>
-          <a:stretch>
-            <a:fillRect/>
-          </a:stretch>
-        </p:blipFill>
+        </p:nvSpPr>
         <p:spPr>
           <a:xfrm>
-            <a:off x="7934291" y="988154"/>
-            <a:ext cx="4123981" cy="3549980"/>
+            <a:off x="1984031" y="1594910"/>
+            <a:ext cx="2319131" cy="461665"/>
           </a:xfrm>
           <a:prstGeom prst="rect">
             <a:avLst/>
           </a:prstGeom>
+          <a:noFill/>
         </p:spPr>
-      </p:pic>
+        <p:txBody>
+          <a:bodyPr wrap="square">
+            <a:spAutoFit/>
+          </a:bodyPr>
+          <a:lstStyle/>
+          <a:p>
+            <a:pPr algn="ctr"/>
+            <a:r>
+              <a:rPr lang="en-US" sz="2400" b="0" i="0" dirty="0">
+                <a:solidFill>
+                  <a:srgbClr val="1F2328"/>
+                </a:solidFill>
+                <a:effectLst/>
+                <a:latin typeface="-apple-system"/>
+              </a:rPr>
+              <a:t>All wind speeds</a:t>
+            </a:r>
+          </a:p>
+        </p:txBody>
+      </p:sp>
+      <p:sp>
+        <p:nvSpPr>
+          <p:cNvPr id="18" name="TextBox 17">
+            <a:extLst>
+              <a:ext uri="{FF2B5EF4-FFF2-40B4-BE49-F238E27FC236}">
+                <a16:creationId xmlns:a16="http://schemas.microsoft.com/office/drawing/2014/main" id="{2EF3FD0D-BEB4-290F-2CA0-899534A0D412}"/>
+              </a:ext>
+            </a:extLst>
+          </p:cNvPr>
+          <p:cNvSpPr txBox="1"/>
+          <p:nvPr/>
+        </p:nvSpPr>
+        <p:spPr>
+          <a:xfrm>
+            <a:off x="6262480" y="1561387"/>
+            <a:ext cx="5448024" cy="461665"/>
+          </a:xfrm>
+          <a:prstGeom prst="rect">
+            <a:avLst/>
+          </a:prstGeom>
+          <a:noFill/>
+        </p:spPr>
+        <p:txBody>
+          <a:bodyPr wrap="square">
+            <a:spAutoFit/>
+          </a:bodyPr>
+          <a:lstStyle/>
+          <a:p>
+            <a:pPr algn="ctr"/>
+            <a:r>
+              <a:rPr lang="en-US" sz="2400" b="0" i="0" dirty="0">
+                <a:solidFill>
+                  <a:srgbClr val="1F2328"/>
+                </a:solidFill>
+                <a:effectLst/>
+                <a:latin typeface="-apple-system"/>
+              </a:rPr>
+              <a:t>Wind speed &gt; 1m/s (2.2 mph)</a:t>
+            </a:r>
+          </a:p>
+        </p:txBody>
+      </p:sp>
     </p:spTree>
     <p:extLst>
       <p:ext uri="{BB962C8B-B14F-4D97-AF65-F5344CB8AC3E}">

--- a/presentation/Project3PowerPoint.pptx
+++ b/presentation/Project3PowerPoint.pptx
@@ -6533,8 +6533,8 @@
         </p:blipFill>
         <p:spPr>
           <a:xfrm>
-            <a:off x="531941" y="2154900"/>
-            <a:ext cx="5223312" cy="3864830"/>
+            <a:off x="503621" y="2154900"/>
+            <a:ext cx="5279952" cy="3864830"/>
           </a:xfrm>
           <a:prstGeom prst="rect">
             <a:avLst/>
@@ -6562,8 +6562,8 @@
         </p:blipFill>
         <p:spPr>
           <a:xfrm>
-            <a:off x="6302136" y="2154900"/>
-            <a:ext cx="5368712" cy="3897685"/>
+            <a:off x="6334885" y="2154900"/>
+            <a:ext cx="5303213" cy="3897685"/>
           </a:xfrm>
           <a:prstGeom prst="rect">
             <a:avLst/>
@@ -6978,8 +6978,8 @@
         </p:blipFill>
         <p:spPr>
           <a:xfrm>
-            <a:off x="503162" y="2163645"/>
-            <a:ext cx="5280870" cy="3847340"/>
+            <a:off x="503162" y="2161629"/>
+            <a:ext cx="5280870" cy="3851372"/>
           </a:xfrm>
           <a:prstGeom prst="rect">
             <a:avLst/>
@@ -7007,8 +7007,8 @@
         </p:blipFill>
         <p:spPr>
           <a:xfrm>
-            <a:off x="6354495" y="2154900"/>
-            <a:ext cx="5263993" cy="3897685"/>
+            <a:off x="6295521" y="2154900"/>
+            <a:ext cx="5381942" cy="3897685"/>
           </a:xfrm>
           <a:prstGeom prst="rect">
             <a:avLst/>
@@ -14042,14 +14042,13 @@
         </p:nvPicPr>
         <p:blipFill>
           <a:blip r:embed="rId3"/>
-          <a:stretch>
-            <a:fillRect/>
-          </a:stretch>
+          <a:srcRect/>
+          <a:stretch/>
         </p:blipFill>
         <p:spPr>
           <a:xfrm>
-            <a:off x="503162" y="2154900"/>
-            <a:ext cx="5280870" cy="3864830"/>
+            <a:off x="541591" y="2154900"/>
+            <a:ext cx="5204011" cy="3864830"/>
           </a:xfrm>
           <a:prstGeom prst="rect">
             <a:avLst/>
@@ -14072,14 +14071,13 @@
         </p:nvPicPr>
         <p:blipFill>
           <a:blip r:embed="rId4"/>
-          <a:stretch>
-            <a:fillRect/>
-          </a:stretch>
+          <a:srcRect/>
+          <a:stretch/>
         </p:blipFill>
         <p:spPr>
           <a:xfrm>
-            <a:off x="6262480" y="2154900"/>
-            <a:ext cx="5448024" cy="3897685"/>
+            <a:off x="6332240" y="2154900"/>
+            <a:ext cx="5308503" cy="3897685"/>
           </a:xfrm>
           <a:prstGeom prst="rect">
             <a:avLst/>
